--- a/Explain the chapters.pptx
+++ b/Explain the chapters.pptx
@@ -214,7 +214,7 @@
           <a:p>
             <a:fld id="{6AB46F23-02EF-4704-88F9-474644CC3FEE}" type="datetimeFigureOut">
               <a:rPr lang="en-US" smtClean="0"/>
-              <a:t>12-Mar-17</a:t>
+              <a:t>14-Mar-17</a:t>
             </a:fld>
             <a:endParaRPr lang="en-US"/>
           </a:p>
@@ -309,7 +309,6 @@
               <a:rPr lang="en-US"/>
               <a:t>Fifth level</a:t>
             </a:r>
-            <a:endParaRPr lang="en-US"/>
           </a:p>
         </p:txBody>
       </p:sp>
@@ -526,7 +525,7 @@
           <a:bodyPr/>
           <a:lstStyle/>
           <a:p>
-            <a:endParaRPr lang="en-US"/>
+            <a:endParaRPr lang="en-US" dirty="0"/>
           </a:p>
         </p:txBody>
       </p:sp>
@@ -547,6 +546,90 @@
           <a:p>
             <a:fld id="{6EF0A342-33DD-45BC-B6B0-C043583FFD70}" type="slidenum">
               <a:rPr lang="en-US" smtClean="0"/>
+              <a:t>1</a:t>
+            </a:fld>
+            <a:endParaRPr lang="en-US"/>
+          </a:p>
+        </p:txBody>
+      </p:sp>
+    </p:spTree>
+    <p:extLst>
+      <p:ext uri="{BB962C8B-B14F-4D97-AF65-F5344CB8AC3E}">
+        <p14:creationId xmlns:p14="http://schemas.microsoft.com/office/powerpoint/2010/main" val="3580878427"/>
+      </p:ext>
+    </p:extLst>
+  </p:cSld>
+  <p:clrMapOvr>
+    <a:masterClrMapping/>
+  </p:clrMapOvr>
+</p:notes>
+</file>
+
+<file path=ppt/notesSlides/notesSlide2.xml><?xml version="1.0" encoding="utf-8"?>
+<p:notes xmlns:a="http://schemas.openxmlformats.org/drawingml/2006/main" xmlns:r="http://schemas.openxmlformats.org/officeDocument/2006/relationships" xmlns:p="http://schemas.openxmlformats.org/presentationml/2006/main">
+  <p:cSld>
+    <p:spTree>
+      <p:nvGrpSpPr>
+        <p:cNvPr id="1" name=""/>
+        <p:cNvGrpSpPr/>
+        <p:nvPr/>
+      </p:nvGrpSpPr>
+      <p:grpSpPr>
+        <a:xfrm>
+          <a:off x="0" y="0"/>
+          <a:ext cx="0" cy="0"/>
+          <a:chOff x="0" y="0"/>
+          <a:chExt cx="0" cy="0"/>
+        </a:xfrm>
+      </p:grpSpPr>
+      <p:sp>
+        <p:nvSpPr>
+          <p:cNvPr id="2" name="Slide Image Placeholder 1"/>
+          <p:cNvSpPr>
+            <a:spLocks noGrp="1" noRot="1" noChangeAspect="1"/>
+          </p:cNvSpPr>
+          <p:nvPr>
+            <p:ph type="sldImg"/>
+          </p:nvPr>
+        </p:nvSpPr>
+        <p:spPr/>
+      </p:sp>
+      <p:sp>
+        <p:nvSpPr>
+          <p:cNvPr id="3" name="Notes Placeholder 2"/>
+          <p:cNvSpPr>
+            <a:spLocks noGrp="1"/>
+          </p:cNvSpPr>
+          <p:nvPr>
+            <p:ph type="body" idx="1"/>
+          </p:nvPr>
+        </p:nvSpPr>
+        <p:spPr/>
+        <p:txBody>
+          <a:bodyPr/>
+          <a:lstStyle/>
+          <a:p>
+            <a:endParaRPr lang="en-US"/>
+          </a:p>
+        </p:txBody>
+      </p:sp>
+      <p:sp>
+        <p:nvSpPr>
+          <p:cNvPr id="4" name="Slide Number Placeholder 3"/>
+          <p:cNvSpPr>
+            <a:spLocks noGrp="1"/>
+          </p:cNvSpPr>
+          <p:nvPr>
+            <p:ph type="sldNum" sz="quarter" idx="10"/>
+          </p:nvPr>
+        </p:nvSpPr>
+        <p:spPr/>
+        <p:txBody>
+          <a:bodyPr/>
+          <a:lstStyle/>
+          <a:p>
+            <a:fld id="{6EF0A342-33DD-45BC-B6B0-C043583FFD70}" type="slidenum">
+              <a:rPr lang="en-US" smtClean="0"/>
               <a:t>2</a:t>
             </a:fld>
             <a:endParaRPr lang="en-US"/>
@@ -557,6 +640,90 @@
     <p:extLst>
       <p:ext uri="{BB962C8B-B14F-4D97-AF65-F5344CB8AC3E}">
         <p14:creationId xmlns:p14="http://schemas.microsoft.com/office/powerpoint/2010/main" val="4264535852"/>
+      </p:ext>
+    </p:extLst>
+  </p:cSld>
+  <p:clrMapOvr>
+    <a:masterClrMapping/>
+  </p:clrMapOvr>
+</p:notes>
+</file>
+
+<file path=ppt/notesSlides/notesSlide3.xml><?xml version="1.0" encoding="utf-8"?>
+<p:notes xmlns:a="http://schemas.openxmlformats.org/drawingml/2006/main" xmlns:r="http://schemas.openxmlformats.org/officeDocument/2006/relationships" xmlns:p="http://schemas.openxmlformats.org/presentationml/2006/main">
+  <p:cSld>
+    <p:spTree>
+      <p:nvGrpSpPr>
+        <p:cNvPr id="1" name=""/>
+        <p:cNvGrpSpPr/>
+        <p:nvPr/>
+      </p:nvGrpSpPr>
+      <p:grpSpPr>
+        <a:xfrm>
+          <a:off x="0" y="0"/>
+          <a:ext cx="0" cy="0"/>
+          <a:chOff x="0" y="0"/>
+          <a:chExt cx="0" cy="0"/>
+        </a:xfrm>
+      </p:grpSpPr>
+      <p:sp>
+        <p:nvSpPr>
+          <p:cNvPr id="2" name="Slide Image Placeholder 1"/>
+          <p:cNvSpPr>
+            <a:spLocks noGrp="1" noRot="1" noChangeAspect="1"/>
+          </p:cNvSpPr>
+          <p:nvPr>
+            <p:ph type="sldImg"/>
+          </p:nvPr>
+        </p:nvSpPr>
+        <p:spPr/>
+      </p:sp>
+      <p:sp>
+        <p:nvSpPr>
+          <p:cNvPr id="3" name="Notes Placeholder 2"/>
+          <p:cNvSpPr>
+            <a:spLocks noGrp="1"/>
+          </p:cNvSpPr>
+          <p:nvPr>
+            <p:ph type="body" idx="1"/>
+          </p:nvPr>
+        </p:nvSpPr>
+        <p:spPr/>
+        <p:txBody>
+          <a:bodyPr/>
+          <a:lstStyle/>
+          <a:p>
+            <a:endParaRPr lang="en-US" dirty="0"/>
+          </a:p>
+        </p:txBody>
+      </p:sp>
+      <p:sp>
+        <p:nvSpPr>
+          <p:cNvPr id="4" name="Slide Number Placeholder 3"/>
+          <p:cNvSpPr>
+            <a:spLocks noGrp="1"/>
+          </p:cNvSpPr>
+          <p:nvPr>
+            <p:ph type="sldNum" sz="quarter" idx="10"/>
+          </p:nvPr>
+        </p:nvSpPr>
+        <p:spPr/>
+        <p:txBody>
+          <a:bodyPr/>
+          <a:lstStyle/>
+          <a:p>
+            <a:fld id="{6EF0A342-33DD-45BC-B6B0-C043583FFD70}" type="slidenum">
+              <a:rPr lang="en-US" smtClean="0"/>
+              <a:t>3</a:t>
+            </a:fld>
+            <a:endParaRPr lang="en-US"/>
+          </a:p>
+        </p:txBody>
+      </p:sp>
+    </p:spTree>
+    <p:extLst>
+      <p:ext uri="{BB962C8B-B14F-4D97-AF65-F5344CB8AC3E}">
+        <p14:creationId xmlns:p14="http://schemas.microsoft.com/office/powerpoint/2010/main" val="1244387321"/>
       </p:ext>
     </p:extLst>
   </p:cSld>
@@ -616,7 +783,7 @@
           <a:noFill/>
           <a:extLst>
             <a:ext uri="{909E8E84-426E-40dd-AFC4-6F175D3DCCD1}">
-              <a14:hiddenFill xmlns:a14="http://schemas.microsoft.com/office/drawing/2010/main" xmlns="">
+              <a14:hiddenFill xmlns="" xmlns:a14="http://schemas.microsoft.com/office/drawing/2010/main">
                 <a:solidFill>
                   <a:srgbClr val="FFFFFF"/>
                 </a:solidFill>
@@ -676,7 +843,7 @@
             </a:ln>
             <a:extLst>
               <a:ext uri="{91240B29-F687-4f45-9708-019B960494DF}">
-                <a14:hiddenLine xmlns:a14="http://schemas.microsoft.com/office/drawing/2010/main" xmlns="" w="9525">
+                <a14:hiddenLine xmlns="" xmlns:a14="http://schemas.microsoft.com/office/drawing/2010/main" w="9525">
                   <a:solidFill>
                     <a:srgbClr val="000000"/>
                   </a:solidFill>
@@ -766,7 +933,7 @@
             </a:ln>
             <a:extLst>
               <a:ext uri="{91240B29-F687-4f45-9708-019B960494DF}">
-                <a14:hiddenLine xmlns:a14="http://schemas.microsoft.com/office/drawing/2010/main" xmlns="" w="9525">
+                <a14:hiddenLine xmlns="" xmlns:a14="http://schemas.microsoft.com/office/drawing/2010/main" w="9525">
                   <a:solidFill>
                     <a:srgbClr val="000000"/>
                   </a:solidFill>
@@ -856,7 +1023,7 @@
             </a:ln>
             <a:extLst>
               <a:ext uri="{91240B29-F687-4f45-9708-019B960494DF}">
-                <a14:hiddenLine xmlns:a14="http://schemas.microsoft.com/office/drawing/2010/main" xmlns="" w="9525">
+                <a14:hiddenLine xmlns="" xmlns:a14="http://schemas.microsoft.com/office/drawing/2010/main" w="9525">
                   <a:solidFill>
                     <a:srgbClr val="000000"/>
                   </a:solidFill>
@@ -890,7 +1057,7 @@
             </a:ln>
             <a:extLst>
               <a:ext uri="{91240B29-F687-4f45-9708-019B960494DF}">
-                <a14:hiddenLine xmlns:a14="http://schemas.microsoft.com/office/drawing/2010/main" xmlns="" w="9525">
+                <a14:hiddenLine xmlns="" xmlns:a14="http://schemas.microsoft.com/office/drawing/2010/main" w="9525">
                   <a:solidFill>
                     <a:srgbClr val="000000"/>
                   </a:solidFill>
@@ -980,7 +1147,7 @@
             </a:ln>
             <a:extLst>
               <a:ext uri="{91240B29-F687-4f45-9708-019B960494DF}">
-                <a14:hiddenLine xmlns:a14="http://schemas.microsoft.com/office/drawing/2010/main" xmlns="" w="9525">
+                <a14:hiddenLine xmlns="" xmlns:a14="http://schemas.microsoft.com/office/drawing/2010/main" w="9525">
                   <a:solidFill>
                     <a:srgbClr val="000000"/>
                   </a:solidFill>
@@ -1042,7 +1209,7 @@
             </a:ln>
             <a:extLst>
               <a:ext uri="{91240B29-F687-4f45-9708-019B960494DF}">
-                <a14:hiddenLine xmlns:a14="http://schemas.microsoft.com/office/drawing/2010/main" xmlns="" w="9525">
+                <a14:hiddenLine xmlns="" xmlns:a14="http://schemas.microsoft.com/office/drawing/2010/main" w="9525">
                   <a:solidFill>
                     <a:srgbClr val="000000"/>
                   </a:solidFill>
@@ -1104,7 +1271,7 @@
             </a:ln>
             <a:extLst>
               <a:ext uri="{91240B29-F687-4f45-9708-019B960494DF}">
-                <a14:hiddenLine xmlns:a14="http://schemas.microsoft.com/office/drawing/2010/main" xmlns="" w="9525">
+                <a14:hiddenLine xmlns="" xmlns:a14="http://schemas.microsoft.com/office/drawing/2010/main" w="9525">
                   <a:solidFill>
                     <a:srgbClr val="000000"/>
                   </a:solidFill>
@@ -1194,7 +1361,7 @@
             </a:ln>
             <a:extLst>
               <a:ext uri="{91240B29-F687-4f45-9708-019B960494DF}">
-                <a14:hiddenLine xmlns:a14="http://schemas.microsoft.com/office/drawing/2010/main" xmlns="" w="9525">
+                <a14:hiddenLine xmlns="" xmlns:a14="http://schemas.microsoft.com/office/drawing/2010/main" w="9525">
                   <a:solidFill>
                     <a:srgbClr val="000000"/>
                   </a:solidFill>
@@ -1256,7 +1423,7 @@
             </a:ln>
             <a:extLst>
               <a:ext uri="{91240B29-F687-4f45-9708-019B960494DF}">
-                <a14:hiddenLine xmlns:a14="http://schemas.microsoft.com/office/drawing/2010/main" xmlns="" w="9525">
+                <a14:hiddenLine xmlns="" xmlns:a14="http://schemas.microsoft.com/office/drawing/2010/main" w="9525">
                   <a:solidFill>
                     <a:srgbClr val="000000"/>
                   </a:solidFill>
@@ -1318,7 +1485,7 @@
             </a:ln>
             <a:extLst>
               <a:ext uri="{91240B29-F687-4f45-9708-019B960494DF}">
-                <a14:hiddenLine xmlns:a14="http://schemas.microsoft.com/office/drawing/2010/main" xmlns="" w="9525">
+                <a14:hiddenLine xmlns="" xmlns:a14="http://schemas.microsoft.com/office/drawing/2010/main" w="9525">
                   <a:solidFill>
                     <a:srgbClr val="000000"/>
                   </a:solidFill>
@@ -1408,7 +1575,7 @@
             </a:ln>
             <a:extLst>
               <a:ext uri="{91240B29-F687-4f45-9708-019B960494DF}">
-                <a14:hiddenLine xmlns:a14="http://schemas.microsoft.com/office/drawing/2010/main" xmlns="" w="9525">
+                <a14:hiddenLine xmlns="" xmlns:a14="http://schemas.microsoft.com/office/drawing/2010/main" w="9525">
                   <a:solidFill>
                     <a:srgbClr val="000000"/>
                   </a:solidFill>
@@ -1498,7 +1665,7 @@
             </a:ln>
             <a:extLst>
               <a:ext uri="{91240B29-F687-4f45-9708-019B960494DF}">
-                <a14:hiddenLine xmlns:a14="http://schemas.microsoft.com/office/drawing/2010/main" xmlns="" w="9525">
+                <a14:hiddenLine xmlns="" xmlns:a14="http://schemas.microsoft.com/office/drawing/2010/main" w="9525">
                   <a:solidFill>
                     <a:srgbClr val="000000"/>
                   </a:solidFill>
@@ -1560,7 +1727,7 @@
             </a:ln>
             <a:extLst>
               <a:ext uri="{91240B29-F687-4f45-9708-019B960494DF}">
-                <a14:hiddenLine xmlns:a14="http://schemas.microsoft.com/office/drawing/2010/main" xmlns="" w="9525">
+                <a14:hiddenLine xmlns="" xmlns:a14="http://schemas.microsoft.com/office/drawing/2010/main" w="9525">
                   <a:solidFill>
                     <a:srgbClr val="000000"/>
                   </a:solidFill>
@@ -1670,7 +1837,7 @@
             </a:ln>
             <a:extLst>
               <a:ext uri="{91240B29-F687-4f45-9708-019B960494DF}">
-                <a14:hiddenLine xmlns:a14="http://schemas.microsoft.com/office/drawing/2010/main" xmlns="" w="9525">
+                <a14:hiddenLine xmlns="" xmlns:a14="http://schemas.microsoft.com/office/drawing/2010/main" w="9525">
                   <a:solidFill>
                     <a:srgbClr val="000000"/>
                   </a:solidFill>
@@ -1732,7 +1899,7 @@
             </a:ln>
             <a:extLst>
               <a:ext uri="{91240B29-F687-4f45-9708-019B960494DF}">
-                <a14:hiddenLine xmlns:a14="http://schemas.microsoft.com/office/drawing/2010/main" xmlns="" w="9525">
+                <a14:hiddenLine xmlns="" xmlns:a14="http://schemas.microsoft.com/office/drawing/2010/main" w="9525">
                   <a:solidFill>
                     <a:srgbClr val="000000"/>
                   </a:solidFill>
@@ -1822,7 +1989,7 @@
             </a:ln>
             <a:extLst>
               <a:ext uri="{91240B29-F687-4f45-9708-019B960494DF}">
-                <a14:hiddenLine xmlns:a14="http://schemas.microsoft.com/office/drawing/2010/main" xmlns="" w="9525">
+                <a14:hiddenLine xmlns="" xmlns:a14="http://schemas.microsoft.com/office/drawing/2010/main" w="9525">
                   <a:solidFill>
                     <a:srgbClr val="000000"/>
                   </a:solidFill>
@@ -1912,7 +2079,7 @@
             </a:ln>
             <a:extLst>
               <a:ext uri="{91240B29-F687-4f45-9708-019B960494DF}">
-                <a14:hiddenLine xmlns:a14="http://schemas.microsoft.com/office/drawing/2010/main" xmlns="" w="9525">
+                <a14:hiddenLine xmlns="" xmlns:a14="http://schemas.microsoft.com/office/drawing/2010/main" w="9525">
                   <a:solidFill>
                     <a:srgbClr val="000000"/>
                   </a:solidFill>
@@ -1974,7 +2141,7 @@
             </a:ln>
             <a:extLst>
               <a:ext uri="{91240B29-F687-4f45-9708-019B960494DF}">
-                <a14:hiddenLine xmlns:a14="http://schemas.microsoft.com/office/drawing/2010/main" xmlns="" w="9525">
+                <a14:hiddenLine xmlns="" xmlns:a14="http://schemas.microsoft.com/office/drawing/2010/main" w="9525">
                   <a:solidFill>
                     <a:srgbClr val="000000"/>
                   </a:solidFill>
@@ -2064,7 +2231,7 @@
             </a:ln>
             <a:extLst>
               <a:ext uri="{91240B29-F687-4f45-9708-019B960494DF}">
-                <a14:hiddenLine xmlns:a14="http://schemas.microsoft.com/office/drawing/2010/main" xmlns="" w="9525">
+                <a14:hiddenLine xmlns="" xmlns:a14="http://schemas.microsoft.com/office/drawing/2010/main" w="9525">
                   <a:solidFill>
                     <a:srgbClr val="000000"/>
                   </a:solidFill>
@@ -2154,7 +2321,7 @@
             </a:ln>
             <a:extLst>
               <a:ext uri="{91240B29-F687-4f45-9708-019B960494DF}">
-                <a14:hiddenLine xmlns:a14="http://schemas.microsoft.com/office/drawing/2010/main" xmlns="" w="9525">
+                <a14:hiddenLine xmlns="" xmlns:a14="http://schemas.microsoft.com/office/drawing/2010/main" w="9525">
                   <a:solidFill>
                     <a:srgbClr val="000000"/>
                   </a:solidFill>
@@ -2210,7 +2377,7 @@
             </a:ln>
             <a:extLst>
               <a:ext uri="{91240B29-F687-4f45-9708-019B960494DF}">
-                <a14:hiddenLine xmlns:a14="http://schemas.microsoft.com/office/drawing/2010/main" xmlns="" w="9525">
+                <a14:hiddenLine xmlns="" xmlns:a14="http://schemas.microsoft.com/office/drawing/2010/main" w="9525">
                   <a:solidFill>
                     <a:srgbClr val="000000"/>
                   </a:solidFill>
@@ -2300,7 +2467,7 @@
             </a:ln>
             <a:extLst>
               <a:ext uri="{91240B29-F687-4f45-9708-019B960494DF}">
-                <a14:hiddenLine xmlns:a14="http://schemas.microsoft.com/office/drawing/2010/main" xmlns="" w="9525">
+                <a14:hiddenLine xmlns="" xmlns:a14="http://schemas.microsoft.com/office/drawing/2010/main" w="9525">
                   <a:solidFill>
                     <a:srgbClr val="000000"/>
                   </a:solidFill>
@@ -2356,7 +2523,7 @@
             </a:ln>
             <a:extLst>
               <a:ext uri="{91240B29-F687-4f45-9708-019B960494DF}">
-                <a14:hiddenLine xmlns:a14="http://schemas.microsoft.com/office/drawing/2010/main" xmlns="" w="9525">
+                <a14:hiddenLine xmlns="" xmlns:a14="http://schemas.microsoft.com/office/drawing/2010/main" w="9525">
                   <a:solidFill>
                     <a:srgbClr val="000000"/>
                   </a:solidFill>
@@ -2446,7 +2613,7 @@
             </a:ln>
             <a:extLst>
               <a:ext uri="{91240B29-F687-4f45-9708-019B960494DF}">
-                <a14:hiddenLine xmlns:a14="http://schemas.microsoft.com/office/drawing/2010/main" xmlns="" w="9525">
+                <a14:hiddenLine xmlns="" xmlns:a14="http://schemas.microsoft.com/office/drawing/2010/main" w="9525">
                   <a:solidFill>
                     <a:srgbClr val="000000"/>
                   </a:solidFill>
@@ -2514,7 +2681,7 @@
             </a:ln>
             <a:extLst>
               <a:ext uri="{91240B29-F687-4f45-9708-019B960494DF}">
-                <a14:hiddenLine xmlns:a14="http://schemas.microsoft.com/office/drawing/2010/main" xmlns="" w="9525">
+                <a14:hiddenLine xmlns="" xmlns:a14="http://schemas.microsoft.com/office/drawing/2010/main" w="9525">
                   <a:solidFill>
                     <a:srgbClr val="000000"/>
                   </a:solidFill>
@@ -2604,7 +2771,7 @@
             </a:ln>
             <a:extLst>
               <a:ext uri="{91240B29-F687-4f45-9708-019B960494DF}">
-                <a14:hiddenLine xmlns:a14="http://schemas.microsoft.com/office/drawing/2010/main" xmlns="" w="9525">
+                <a14:hiddenLine xmlns="" xmlns:a14="http://schemas.microsoft.com/office/drawing/2010/main" w="9525">
                   <a:solidFill>
                     <a:srgbClr val="000000"/>
                   </a:solidFill>
@@ -2672,7 +2839,7 @@
             </a:ln>
             <a:extLst>
               <a:ext uri="{91240B29-F687-4f45-9708-019B960494DF}">
-                <a14:hiddenLine xmlns:a14="http://schemas.microsoft.com/office/drawing/2010/main" xmlns="" w="9525">
+                <a14:hiddenLine xmlns="" xmlns:a14="http://schemas.microsoft.com/office/drawing/2010/main" w="9525">
                   <a:solidFill>
                     <a:srgbClr val="000000"/>
                   </a:solidFill>
@@ -2762,7 +2929,7 @@
             </a:ln>
             <a:extLst>
               <a:ext uri="{91240B29-F687-4f45-9708-019B960494DF}">
-                <a14:hiddenLine xmlns:a14="http://schemas.microsoft.com/office/drawing/2010/main" xmlns="" w="9525">
+                <a14:hiddenLine xmlns="" xmlns:a14="http://schemas.microsoft.com/office/drawing/2010/main" w="9525">
                   <a:solidFill>
                     <a:srgbClr val="000000"/>
                   </a:solidFill>
@@ -2796,7 +2963,7 @@
             </a:ln>
             <a:extLst>
               <a:ext uri="{91240B29-F687-4f45-9708-019B960494DF}">
-                <a14:hiddenLine xmlns:a14="http://schemas.microsoft.com/office/drawing/2010/main" xmlns="" w="9525">
+                <a14:hiddenLine xmlns="" xmlns:a14="http://schemas.microsoft.com/office/drawing/2010/main" w="9525">
                   <a:solidFill>
                     <a:srgbClr val="000000"/>
                   </a:solidFill>
@@ -2886,7 +3053,7 @@
             </a:ln>
             <a:extLst>
               <a:ext uri="{91240B29-F687-4f45-9708-019B960494DF}">
-                <a14:hiddenLine xmlns:a14="http://schemas.microsoft.com/office/drawing/2010/main" xmlns="" w="9525">
+                <a14:hiddenLine xmlns="" xmlns:a14="http://schemas.microsoft.com/office/drawing/2010/main" w="9525">
                   <a:solidFill>
                     <a:srgbClr val="000000"/>
                   </a:solidFill>
@@ -2948,7 +3115,7 @@
             </a:ln>
             <a:extLst>
               <a:ext uri="{91240B29-F687-4f45-9708-019B960494DF}">
-                <a14:hiddenLine xmlns:a14="http://schemas.microsoft.com/office/drawing/2010/main" xmlns="" w="9525">
+                <a14:hiddenLine xmlns="" xmlns:a14="http://schemas.microsoft.com/office/drawing/2010/main" w="9525">
                   <a:solidFill>
                     <a:srgbClr val="000000"/>
                   </a:solidFill>
@@ -3010,7 +3177,7 @@
             </a:ln>
             <a:extLst>
               <a:ext uri="{91240B29-F687-4f45-9708-019B960494DF}">
-                <a14:hiddenLine xmlns:a14="http://schemas.microsoft.com/office/drawing/2010/main" xmlns="" w="9525">
+                <a14:hiddenLine xmlns="" xmlns:a14="http://schemas.microsoft.com/office/drawing/2010/main" w="9525">
                   <a:solidFill>
                     <a:srgbClr val="000000"/>
                   </a:solidFill>
@@ -3100,7 +3267,7 @@
             </a:ln>
             <a:extLst>
               <a:ext uri="{91240B29-F687-4f45-9708-019B960494DF}">
-                <a14:hiddenLine xmlns:a14="http://schemas.microsoft.com/office/drawing/2010/main" xmlns="" w="9525">
+                <a14:hiddenLine xmlns="" xmlns:a14="http://schemas.microsoft.com/office/drawing/2010/main" w="9525">
                   <a:solidFill>
                     <a:srgbClr val="000000"/>
                   </a:solidFill>
@@ -3168,7 +3335,7 @@
             </a:ln>
             <a:extLst>
               <a:ext uri="{91240B29-F687-4f45-9708-019B960494DF}">
-                <a14:hiddenLine xmlns:a14="http://schemas.microsoft.com/office/drawing/2010/main" xmlns="" w="9525">
+                <a14:hiddenLine xmlns="" xmlns:a14="http://schemas.microsoft.com/office/drawing/2010/main" w="9525">
                   <a:solidFill>
                     <a:srgbClr val="000000"/>
                   </a:solidFill>
@@ -3230,7 +3397,7 @@
             </a:ln>
             <a:extLst>
               <a:ext uri="{91240B29-F687-4f45-9708-019B960494DF}">
-                <a14:hiddenLine xmlns:a14="http://schemas.microsoft.com/office/drawing/2010/main" xmlns="" w="9525">
+                <a14:hiddenLine xmlns="" xmlns:a14="http://schemas.microsoft.com/office/drawing/2010/main" w="9525">
                   <a:solidFill>
                     <a:srgbClr val="000000"/>
                   </a:solidFill>
@@ -3320,7 +3487,7 @@
             </a:ln>
             <a:extLst>
               <a:ext uri="{91240B29-F687-4f45-9708-019B960494DF}">
-                <a14:hiddenLine xmlns:a14="http://schemas.microsoft.com/office/drawing/2010/main" xmlns="" w="9525">
+                <a14:hiddenLine xmlns="" xmlns:a14="http://schemas.microsoft.com/office/drawing/2010/main" w="9525">
                   <a:solidFill>
                     <a:srgbClr val="000000"/>
                   </a:solidFill>
@@ -3382,7 +3549,7 @@
             </a:ln>
             <a:extLst>
               <a:ext uri="{91240B29-F687-4f45-9708-019B960494DF}">
-                <a14:hiddenLine xmlns:a14="http://schemas.microsoft.com/office/drawing/2010/main" xmlns="" w="9525">
+                <a14:hiddenLine xmlns="" xmlns:a14="http://schemas.microsoft.com/office/drawing/2010/main" w="9525">
                   <a:solidFill>
                     <a:srgbClr val="000000"/>
                   </a:solidFill>
@@ -3472,7 +3639,7 @@
             </a:ln>
             <a:extLst>
               <a:ext uri="{91240B29-F687-4f45-9708-019B960494DF}">
-                <a14:hiddenLine xmlns:a14="http://schemas.microsoft.com/office/drawing/2010/main" xmlns="" w="9525">
+                <a14:hiddenLine xmlns="" xmlns:a14="http://schemas.microsoft.com/office/drawing/2010/main" w="9525">
                   <a:solidFill>
                     <a:srgbClr val="000000"/>
                   </a:solidFill>
@@ -3534,7 +3701,7 @@
             </a:ln>
             <a:extLst>
               <a:ext uri="{91240B29-F687-4f45-9708-019B960494DF}">
-                <a14:hiddenLine xmlns:a14="http://schemas.microsoft.com/office/drawing/2010/main" xmlns="" w="9525">
+                <a14:hiddenLine xmlns="" xmlns:a14="http://schemas.microsoft.com/office/drawing/2010/main" w="9525">
                   <a:solidFill>
                     <a:srgbClr val="000000"/>
                   </a:solidFill>
@@ -3624,7 +3791,7 @@
             </a:ln>
             <a:extLst>
               <a:ext uri="{91240B29-F687-4f45-9708-019B960494DF}">
-                <a14:hiddenLine xmlns:a14="http://schemas.microsoft.com/office/drawing/2010/main" xmlns="" w="9525">
+                <a14:hiddenLine xmlns="" xmlns:a14="http://schemas.microsoft.com/office/drawing/2010/main" w="9525">
                   <a:solidFill>
                     <a:srgbClr val="000000"/>
                   </a:solidFill>
@@ -3658,7 +3825,7 @@
             </a:ln>
             <a:extLst>
               <a:ext uri="{91240B29-F687-4f45-9708-019B960494DF}">
-                <a14:hiddenLine xmlns:a14="http://schemas.microsoft.com/office/drawing/2010/main" xmlns="" w="9525">
+                <a14:hiddenLine xmlns="" xmlns:a14="http://schemas.microsoft.com/office/drawing/2010/main" w="9525">
                   <a:solidFill>
                     <a:srgbClr val="000000"/>
                   </a:solidFill>
@@ -3723,7 +3890,7 @@
             </a:ln>
             <a:extLst>
               <a:ext uri="{91240B29-F687-4f45-9708-019B960494DF}">
-                <a14:hiddenLine xmlns:a14="http://schemas.microsoft.com/office/drawing/2010/main" xmlns="" w="9525">
+                <a14:hiddenLine xmlns="" xmlns:a14="http://schemas.microsoft.com/office/drawing/2010/main" w="9525">
                   <a:solidFill>
                     <a:srgbClr val="000000"/>
                   </a:solidFill>
@@ -3813,7 +3980,7 @@
             </a:ln>
             <a:extLst>
               <a:ext uri="{91240B29-F687-4f45-9708-019B960494DF}">
-                <a14:hiddenLine xmlns:a14="http://schemas.microsoft.com/office/drawing/2010/main" xmlns="" w="9525">
+                <a14:hiddenLine xmlns="" xmlns:a14="http://schemas.microsoft.com/office/drawing/2010/main" w="9525">
                   <a:solidFill>
                     <a:srgbClr val="000000"/>
                   </a:solidFill>
@@ -3875,7 +4042,7 @@
             </a:ln>
             <a:extLst>
               <a:ext uri="{91240B29-F687-4f45-9708-019B960494DF}">
-                <a14:hiddenLine xmlns:a14="http://schemas.microsoft.com/office/drawing/2010/main" xmlns="" w="9525">
+                <a14:hiddenLine xmlns="" xmlns:a14="http://schemas.microsoft.com/office/drawing/2010/main" w="9525">
                   <a:solidFill>
                     <a:srgbClr val="000000"/>
                   </a:solidFill>
@@ -3965,7 +4132,7 @@
             </a:ln>
             <a:extLst>
               <a:ext uri="{91240B29-F687-4f45-9708-019B960494DF}">
-                <a14:hiddenLine xmlns:a14="http://schemas.microsoft.com/office/drawing/2010/main" xmlns="" w="9525">
+                <a14:hiddenLine xmlns="" xmlns:a14="http://schemas.microsoft.com/office/drawing/2010/main" w="9525">
                   <a:solidFill>
                     <a:srgbClr val="000000"/>
                   </a:solidFill>
@@ -4055,7 +4222,7 @@
             </a:ln>
             <a:extLst>
               <a:ext uri="{91240B29-F687-4f45-9708-019B960494DF}">
-                <a14:hiddenLine xmlns:a14="http://schemas.microsoft.com/office/drawing/2010/main" xmlns="" w="9525">
+                <a14:hiddenLine xmlns="" xmlns:a14="http://schemas.microsoft.com/office/drawing/2010/main" w="9525">
                   <a:solidFill>
                     <a:srgbClr val="000000"/>
                   </a:solidFill>
@@ -4120,7 +4287,7 @@
             </a:ln>
             <a:extLst>
               <a:ext uri="{91240B29-F687-4f45-9708-019B960494DF}">
-                <a14:hiddenLine xmlns:a14="http://schemas.microsoft.com/office/drawing/2010/main" xmlns="" w="9525">
+                <a14:hiddenLine xmlns="" xmlns:a14="http://schemas.microsoft.com/office/drawing/2010/main" w="9525">
                   <a:solidFill>
                     <a:srgbClr val="000000"/>
                   </a:solidFill>
@@ -4182,7 +4349,7 @@
             </a:ln>
             <a:extLst>
               <a:ext uri="{91240B29-F687-4f45-9708-019B960494DF}">
-                <a14:hiddenLine xmlns:a14="http://schemas.microsoft.com/office/drawing/2010/main" xmlns="" w="9525">
+                <a14:hiddenLine xmlns="" xmlns:a14="http://schemas.microsoft.com/office/drawing/2010/main" w="9525">
                   <a:solidFill>
                     <a:srgbClr val="000000"/>
                   </a:solidFill>
@@ -4272,7 +4439,7 @@
             </a:ln>
             <a:extLst>
               <a:ext uri="{91240B29-F687-4f45-9708-019B960494DF}">
-                <a14:hiddenLine xmlns:a14="http://schemas.microsoft.com/office/drawing/2010/main" xmlns="" w="9525">
+                <a14:hiddenLine xmlns="" xmlns:a14="http://schemas.microsoft.com/office/drawing/2010/main" w="9525">
                   <a:solidFill>
                     <a:srgbClr val="000000"/>
                   </a:solidFill>
@@ -4362,7 +4529,7 @@
             </a:ln>
             <a:extLst>
               <a:ext uri="{91240B29-F687-4f45-9708-019B960494DF}">
-                <a14:hiddenLine xmlns:a14="http://schemas.microsoft.com/office/drawing/2010/main" xmlns="" w="9525">
+                <a14:hiddenLine xmlns="" xmlns:a14="http://schemas.microsoft.com/office/drawing/2010/main" w="9525">
                   <a:solidFill>
                     <a:srgbClr val="000000"/>
                   </a:solidFill>
@@ -4424,7 +4591,7 @@
             </a:ln>
             <a:extLst>
               <a:ext uri="{91240B29-F687-4f45-9708-019B960494DF}">
-                <a14:hiddenLine xmlns:a14="http://schemas.microsoft.com/office/drawing/2010/main" xmlns="" w="9525">
+                <a14:hiddenLine xmlns="" xmlns:a14="http://schemas.microsoft.com/office/drawing/2010/main" w="9525">
                   <a:solidFill>
                     <a:srgbClr val="000000"/>
                   </a:solidFill>
@@ -4544,7 +4711,7 @@
             </a:ln>
             <a:extLst>
               <a:ext uri="{91240B29-F687-4f45-9708-019B960494DF}">
-                <a14:hiddenLine xmlns:a14="http://schemas.microsoft.com/office/drawing/2010/main" xmlns="" w="9525">
+                <a14:hiddenLine xmlns="" xmlns:a14="http://schemas.microsoft.com/office/drawing/2010/main" w="9525">
                   <a:solidFill>
                     <a:srgbClr val="000000"/>
                   </a:solidFill>
@@ -4612,7 +4779,7 @@
             </a:ln>
             <a:extLst>
               <a:ext uri="{91240B29-F687-4f45-9708-019B960494DF}">
-                <a14:hiddenLine xmlns:a14="http://schemas.microsoft.com/office/drawing/2010/main" xmlns="" w="9525">
+                <a14:hiddenLine xmlns="" xmlns:a14="http://schemas.microsoft.com/office/drawing/2010/main" w="9525">
                   <a:solidFill>
                     <a:srgbClr val="000000"/>
                   </a:solidFill>
@@ -4702,7 +4869,7 @@
             </a:ln>
             <a:extLst>
               <a:ext uri="{91240B29-F687-4f45-9708-019B960494DF}">
-                <a14:hiddenLine xmlns:a14="http://schemas.microsoft.com/office/drawing/2010/main" xmlns="" w="9525">
+                <a14:hiddenLine xmlns="" xmlns:a14="http://schemas.microsoft.com/office/drawing/2010/main" w="9525">
                   <a:solidFill>
                     <a:srgbClr val="000000"/>
                   </a:solidFill>
@@ -4842,7 +5009,7 @@
           <a:p>
             <a:fld id="{918D0A13-DF37-433A-BA23-15E0908055D8}" type="datetimeFigureOut">
               <a:rPr lang="en-US" smtClean="0"/>
-              <a:t>12-Mar-17</a:t>
+              <a:t>14-Mar-17</a:t>
             </a:fld>
             <a:endParaRPr lang="en-US"/>
           </a:p>
@@ -5109,7 +5276,7 @@
           <a:p>
             <a:fld id="{918D0A13-DF37-433A-BA23-15E0908055D8}" type="datetimeFigureOut">
               <a:rPr lang="en-US" smtClean="0"/>
-              <a:t>12-Mar-17</a:t>
+              <a:t>14-Mar-17</a:t>
             </a:fld>
             <a:endParaRPr lang="en-US"/>
           </a:p>
@@ -5305,7 +5472,7 @@
           <a:p>
             <a:fld id="{918D0A13-DF37-433A-BA23-15E0908055D8}" type="datetimeFigureOut">
               <a:rPr lang="en-US" smtClean="0"/>
-              <a:t>12-Mar-17</a:t>
+              <a:t>14-Mar-17</a:t>
             </a:fld>
             <a:endParaRPr lang="en-US"/>
           </a:p>
@@ -5568,7 +5735,7 @@
           <a:p>
             <a:fld id="{918D0A13-DF37-433A-BA23-15E0908055D8}" type="datetimeFigureOut">
               <a:rPr lang="en-US" smtClean="0"/>
-              <a:t>12-Mar-17</a:t>
+              <a:t>14-Mar-17</a:t>
             </a:fld>
             <a:endParaRPr lang="en-US"/>
           </a:p>
@@ -6002,7 +6169,7 @@
           <a:p>
             <a:fld id="{918D0A13-DF37-433A-BA23-15E0908055D8}" type="datetimeFigureOut">
               <a:rPr lang="en-US" smtClean="0"/>
-              <a:t>12-Mar-17</a:t>
+              <a:t>14-Mar-17</a:t>
             </a:fld>
             <a:endParaRPr lang="en-US"/>
           </a:p>
@@ -6548,7 +6715,7 @@
           <a:p>
             <a:fld id="{918D0A13-DF37-433A-BA23-15E0908055D8}" type="datetimeFigureOut">
               <a:rPr lang="en-US" smtClean="0"/>
-              <a:t>12-Mar-17</a:t>
+              <a:t>14-Mar-17</a:t>
             </a:fld>
             <a:endParaRPr lang="en-US"/>
           </a:p>
@@ -7268,7 +7435,7 @@
           <a:p>
             <a:fld id="{918D0A13-DF37-433A-BA23-15E0908055D8}" type="datetimeFigureOut">
               <a:rPr lang="en-US" smtClean="0"/>
-              <a:t>12-Mar-17</a:t>
+              <a:t>14-Mar-17</a:t>
             </a:fld>
             <a:endParaRPr lang="en-US"/>
           </a:p>
@@ -7438,7 +7605,7 @@
           <a:p>
             <a:fld id="{918D0A13-DF37-433A-BA23-15E0908055D8}" type="datetimeFigureOut">
               <a:rPr lang="en-US" smtClean="0"/>
-              <a:t>12-Mar-17</a:t>
+              <a:t>14-Mar-17</a:t>
             </a:fld>
             <a:endParaRPr lang="en-US"/>
           </a:p>
@@ -7618,7 +7785,7 @@
           <a:p>
             <a:fld id="{918D0A13-DF37-433A-BA23-15E0908055D8}" type="datetimeFigureOut">
               <a:rPr lang="en-US" smtClean="0"/>
-              <a:t>12-Mar-17</a:t>
+              <a:t>14-Mar-17</a:t>
             </a:fld>
             <a:endParaRPr lang="en-US"/>
           </a:p>
@@ -7788,7 +7955,7 @@
           <a:p>
             <a:fld id="{918D0A13-DF37-433A-BA23-15E0908055D8}" type="datetimeFigureOut">
               <a:rPr lang="en-US" smtClean="0"/>
-              <a:t>12-Mar-17</a:t>
+              <a:t>14-Mar-17</a:t>
             </a:fld>
             <a:endParaRPr lang="en-US"/>
           </a:p>
@@ -8038,7 +8205,7 @@
           <a:p>
             <a:fld id="{918D0A13-DF37-433A-BA23-15E0908055D8}" type="datetimeFigureOut">
               <a:rPr lang="en-US" smtClean="0"/>
-              <a:t>12-Mar-17</a:t>
+              <a:t>14-Mar-17</a:t>
             </a:fld>
             <a:endParaRPr lang="en-US"/>
           </a:p>
@@ -8270,7 +8437,7 @@
           <a:p>
             <a:fld id="{918D0A13-DF37-433A-BA23-15E0908055D8}" type="datetimeFigureOut">
               <a:rPr lang="en-US" smtClean="0"/>
-              <a:t>12-Mar-17</a:t>
+              <a:t>14-Mar-17</a:t>
             </a:fld>
             <a:endParaRPr lang="en-US"/>
           </a:p>
@@ -8651,7 +8818,7 @@
           <a:p>
             <a:fld id="{918D0A13-DF37-433A-BA23-15E0908055D8}" type="datetimeFigureOut">
               <a:rPr lang="en-US" smtClean="0"/>
-              <a:t>12-Mar-17</a:t>
+              <a:t>14-Mar-17</a:t>
             </a:fld>
             <a:endParaRPr lang="en-US"/>
           </a:p>
@@ -8769,7 +8936,7 @@
           <a:p>
             <a:fld id="{918D0A13-DF37-433A-BA23-15E0908055D8}" type="datetimeFigureOut">
               <a:rPr lang="en-US" smtClean="0"/>
-              <a:t>12-Mar-17</a:t>
+              <a:t>14-Mar-17</a:t>
             </a:fld>
             <a:endParaRPr lang="en-US"/>
           </a:p>
@@ -8864,7 +9031,7 @@
           <a:p>
             <a:fld id="{918D0A13-DF37-433A-BA23-15E0908055D8}" type="datetimeFigureOut">
               <a:rPr lang="en-US" smtClean="0"/>
-              <a:t>12-Mar-17</a:t>
+              <a:t>14-Mar-17</a:t>
             </a:fld>
             <a:endParaRPr lang="en-US"/>
           </a:p>
@@ -9113,7 +9280,7 @@
           <a:p>
             <a:fld id="{918D0A13-DF37-433A-BA23-15E0908055D8}" type="datetimeFigureOut">
               <a:rPr lang="en-US" smtClean="0"/>
-              <a:t>12-Mar-17</a:t>
+              <a:t>14-Mar-17</a:t>
             </a:fld>
             <a:endParaRPr lang="en-US"/>
           </a:p>
@@ -9393,7 +9560,7 @@
           <a:p>
             <a:fld id="{918D0A13-DF37-433A-BA23-15E0908055D8}" type="datetimeFigureOut">
               <a:rPr lang="en-US" smtClean="0"/>
-              <a:t>12-Mar-17</a:t>
+              <a:t>14-Mar-17</a:t>
             </a:fld>
             <a:endParaRPr lang="en-US"/>
           </a:p>
@@ -9509,7 +9676,7 @@
           <a:noFill/>
           <a:extLst>
             <a:ext uri="{909E8E84-426E-40dd-AFC4-6F175D3DCCD1}">
-              <a14:hiddenFill xmlns:a14="http://schemas.microsoft.com/office/drawing/2010/main" xmlns="">
+              <a14:hiddenFill xmlns="" xmlns:a14="http://schemas.microsoft.com/office/drawing/2010/main">
                 <a:solidFill>
                   <a:srgbClr val="FFFFFF"/>
                 </a:solidFill>
@@ -9583,7 +9750,7 @@
               </a:ln>
               <a:extLst>
                 <a:ext uri="{91240B29-F687-4f45-9708-019B960494DF}">
-                  <a14:hiddenLine xmlns:a14="http://schemas.microsoft.com/office/drawing/2010/main" xmlns="" w="9525">
+                  <a14:hiddenLine xmlns="" xmlns:a14="http://schemas.microsoft.com/office/drawing/2010/main" w="9525">
                     <a:solidFill>
                       <a:srgbClr val="000000"/>
                     </a:solidFill>
@@ -9673,7 +9840,7 @@
               </a:ln>
               <a:extLst>
                 <a:ext uri="{91240B29-F687-4f45-9708-019B960494DF}">
-                  <a14:hiddenLine xmlns:a14="http://schemas.microsoft.com/office/drawing/2010/main" xmlns="" w="9525">
+                  <a14:hiddenLine xmlns="" xmlns:a14="http://schemas.microsoft.com/office/drawing/2010/main" w="9525">
                     <a:solidFill>
                       <a:srgbClr val="000000"/>
                     </a:solidFill>
@@ -9763,7 +9930,7 @@
               </a:ln>
               <a:extLst>
                 <a:ext uri="{91240B29-F687-4f45-9708-019B960494DF}">
-                  <a14:hiddenLine xmlns:a14="http://schemas.microsoft.com/office/drawing/2010/main" xmlns="" w="9525">
+                  <a14:hiddenLine xmlns="" xmlns:a14="http://schemas.microsoft.com/office/drawing/2010/main" w="9525">
                     <a:solidFill>
                       <a:srgbClr val="000000"/>
                     </a:solidFill>
@@ -9825,7 +9992,7 @@
               </a:ln>
               <a:extLst>
                 <a:ext uri="{91240B29-F687-4f45-9708-019B960494DF}">
-                  <a14:hiddenLine xmlns:a14="http://schemas.microsoft.com/office/drawing/2010/main" xmlns="" w="9525">
+                  <a14:hiddenLine xmlns="" xmlns:a14="http://schemas.microsoft.com/office/drawing/2010/main" w="9525">
                     <a:solidFill>
                       <a:srgbClr val="000000"/>
                     </a:solidFill>
@@ -9915,7 +10082,7 @@
               </a:ln>
               <a:extLst>
                 <a:ext uri="{91240B29-F687-4f45-9708-019B960494DF}">
-                  <a14:hiddenLine xmlns:a14="http://schemas.microsoft.com/office/drawing/2010/main" xmlns="" w="9525">
+                  <a14:hiddenLine xmlns="" xmlns:a14="http://schemas.microsoft.com/office/drawing/2010/main" w="9525">
                     <a:solidFill>
                       <a:srgbClr val="000000"/>
                     </a:solidFill>
@@ -9977,7 +10144,7 @@
               </a:ln>
               <a:extLst>
                 <a:ext uri="{91240B29-F687-4f45-9708-019B960494DF}">
-                  <a14:hiddenLine xmlns:a14="http://schemas.microsoft.com/office/drawing/2010/main" xmlns="" w="9525">
+                  <a14:hiddenLine xmlns="" xmlns:a14="http://schemas.microsoft.com/office/drawing/2010/main" w="9525">
                     <a:solidFill>
                       <a:srgbClr val="000000"/>
                     </a:solidFill>
@@ -10039,7 +10206,7 @@
               </a:ln>
               <a:extLst>
                 <a:ext uri="{91240B29-F687-4f45-9708-019B960494DF}">
-                  <a14:hiddenLine xmlns:a14="http://schemas.microsoft.com/office/drawing/2010/main" xmlns="" w="9525">
+                  <a14:hiddenLine xmlns="" xmlns:a14="http://schemas.microsoft.com/office/drawing/2010/main" w="9525">
                     <a:solidFill>
                       <a:srgbClr val="000000"/>
                     </a:solidFill>
@@ -10129,7 +10296,7 @@
               </a:ln>
               <a:extLst>
                 <a:ext uri="{91240B29-F687-4f45-9708-019B960494DF}">
-                  <a14:hiddenLine xmlns:a14="http://schemas.microsoft.com/office/drawing/2010/main" xmlns="" w="9525">
+                  <a14:hiddenLine xmlns="" xmlns:a14="http://schemas.microsoft.com/office/drawing/2010/main" w="9525">
                     <a:solidFill>
                       <a:srgbClr val="000000"/>
                     </a:solidFill>
@@ -10219,7 +10386,7 @@
               </a:ln>
               <a:extLst>
                 <a:ext uri="{91240B29-F687-4f45-9708-019B960494DF}">
-                  <a14:hiddenLine xmlns:a14="http://schemas.microsoft.com/office/drawing/2010/main" xmlns="" w="9525">
+                  <a14:hiddenLine xmlns="" xmlns:a14="http://schemas.microsoft.com/office/drawing/2010/main" w="9525">
                     <a:solidFill>
                       <a:srgbClr val="000000"/>
                     </a:solidFill>
@@ -10281,7 +10448,7 @@
               </a:ln>
               <a:extLst>
                 <a:ext uri="{91240B29-F687-4f45-9708-019B960494DF}">
-                  <a14:hiddenLine xmlns:a14="http://schemas.microsoft.com/office/drawing/2010/main" xmlns="" w="9525">
+                  <a14:hiddenLine xmlns="" xmlns:a14="http://schemas.microsoft.com/office/drawing/2010/main" w="9525">
                     <a:solidFill>
                       <a:srgbClr val="000000"/>
                     </a:solidFill>
@@ -10391,7 +10558,7 @@
               </a:ln>
               <a:extLst>
                 <a:ext uri="{91240B29-F687-4f45-9708-019B960494DF}">
-                  <a14:hiddenLine xmlns:a14="http://schemas.microsoft.com/office/drawing/2010/main" xmlns="" w="9525">
+                  <a14:hiddenLine xmlns="" xmlns:a14="http://schemas.microsoft.com/office/drawing/2010/main" w="9525">
                     <a:solidFill>
                       <a:srgbClr val="000000"/>
                     </a:solidFill>
@@ -10475,7 +10642,7 @@
               </a:ln>
               <a:extLst>
                 <a:ext uri="{91240B29-F687-4f45-9708-019B960494DF}">
-                  <a14:hiddenLine xmlns:a14="http://schemas.microsoft.com/office/drawing/2010/main" xmlns="" w="9525">
+                  <a14:hiddenLine xmlns="" xmlns:a14="http://schemas.microsoft.com/office/drawing/2010/main" w="9525">
                     <a:solidFill>
                       <a:srgbClr val="000000"/>
                     </a:solidFill>
@@ -10537,7 +10704,7 @@
               </a:ln>
               <a:extLst>
                 <a:ext uri="{91240B29-F687-4f45-9708-019B960494DF}">
-                  <a14:hiddenLine xmlns:a14="http://schemas.microsoft.com/office/drawing/2010/main" xmlns="" w="9525">
+                  <a14:hiddenLine xmlns="" xmlns:a14="http://schemas.microsoft.com/office/drawing/2010/main" w="9525">
                     <a:solidFill>
                       <a:srgbClr val="000000"/>
                     </a:solidFill>
@@ -10599,7 +10766,7 @@
               </a:ln>
               <a:extLst>
                 <a:ext uri="{91240B29-F687-4f45-9708-019B960494DF}">
-                  <a14:hiddenLine xmlns:a14="http://schemas.microsoft.com/office/drawing/2010/main" xmlns="" w="9525">
+                  <a14:hiddenLine xmlns="" xmlns:a14="http://schemas.microsoft.com/office/drawing/2010/main" w="9525">
                     <a:solidFill>
                       <a:srgbClr val="000000"/>
                     </a:solidFill>
@@ -10689,7 +10856,7 @@
               </a:ln>
               <a:extLst>
                 <a:ext uri="{91240B29-F687-4f45-9708-019B960494DF}">
-                  <a14:hiddenLine xmlns:a14="http://schemas.microsoft.com/office/drawing/2010/main" xmlns="" w="9525">
+                  <a14:hiddenLine xmlns="" xmlns:a14="http://schemas.microsoft.com/office/drawing/2010/main" w="9525">
                     <a:solidFill>
                       <a:srgbClr val="000000"/>
                     </a:solidFill>
@@ -10723,7 +10890,7 @@
               </a:ln>
               <a:extLst>
                 <a:ext uri="{91240B29-F687-4f45-9708-019B960494DF}">
-                  <a14:hiddenLine xmlns:a14="http://schemas.microsoft.com/office/drawing/2010/main" xmlns="" w="9525">
+                  <a14:hiddenLine xmlns="" xmlns:a14="http://schemas.microsoft.com/office/drawing/2010/main" w="9525">
                     <a:solidFill>
                       <a:srgbClr val="000000"/>
                     </a:solidFill>
@@ -10788,7 +10955,7 @@
               </a:ln>
               <a:extLst>
                 <a:ext uri="{91240B29-F687-4f45-9708-019B960494DF}">
-                  <a14:hiddenLine xmlns:a14="http://schemas.microsoft.com/office/drawing/2010/main" xmlns="" w="9525">
+                  <a14:hiddenLine xmlns="" xmlns:a14="http://schemas.microsoft.com/office/drawing/2010/main" w="9525">
                     <a:solidFill>
                       <a:srgbClr val="000000"/>
                     </a:solidFill>
@@ -10878,7 +11045,7 @@
               </a:ln>
               <a:extLst>
                 <a:ext uri="{91240B29-F687-4f45-9708-019B960494DF}">
-                  <a14:hiddenLine xmlns:a14="http://schemas.microsoft.com/office/drawing/2010/main" xmlns="" w="9525">
+                  <a14:hiddenLine xmlns="" xmlns:a14="http://schemas.microsoft.com/office/drawing/2010/main" w="9525">
                     <a:solidFill>
                       <a:srgbClr val="000000"/>
                     </a:solidFill>
@@ -10940,7 +11107,7 @@
               </a:ln>
               <a:extLst>
                 <a:ext uri="{91240B29-F687-4f45-9708-019B960494DF}">
-                  <a14:hiddenLine xmlns:a14="http://schemas.microsoft.com/office/drawing/2010/main" xmlns="" w="9525">
+                  <a14:hiddenLine xmlns="" xmlns:a14="http://schemas.microsoft.com/office/drawing/2010/main" w="9525">
                     <a:solidFill>
                       <a:srgbClr val="000000"/>
                     </a:solidFill>
@@ -11030,7 +11197,7 @@
               </a:ln>
               <a:extLst>
                 <a:ext uri="{91240B29-F687-4f45-9708-019B960494DF}">
-                  <a14:hiddenLine xmlns:a14="http://schemas.microsoft.com/office/drawing/2010/main" xmlns="" w="9525">
+                  <a14:hiddenLine xmlns="" xmlns:a14="http://schemas.microsoft.com/office/drawing/2010/main" w="9525">
                     <a:solidFill>
                       <a:srgbClr val="000000"/>
                     </a:solidFill>
@@ -11095,7 +11262,7 @@
               </a:ln>
               <a:extLst>
                 <a:ext uri="{91240B29-F687-4f45-9708-019B960494DF}">
-                  <a14:hiddenLine xmlns:a14="http://schemas.microsoft.com/office/drawing/2010/main" xmlns="" w="9525">
+                  <a14:hiddenLine xmlns="" xmlns:a14="http://schemas.microsoft.com/office/drawing/2010/main" w="9525">
                     <a:solidFill>
                       <a:srgbClr val="000000"/>
                     </a:solidFill>
@@ -11157,7 +11324,7 @@
               </a:ln>
               <a:extLst>
                 <a:ext uri="{91240B29-F687-4f45-9708-019B960494DF}">
-                  <a14:hiddenLine xmlns:a14="http://schemas.microsoft.com/office/drawing/2010/main" xmlns="" w="9525">
+                  <a14:hiddenLine xmlns="" xmlns:a14="http://schemas.microsoft.com/office/drawing/2010/main" w="9525">
                     <a:solidFill>
                       <a:srgbClr val="000000"/>
                     </a:solidFill>
@@ -11247,7 +11414,7 @@
               </a:ln>
               <a:extLst>
                 <a:ext uri="{91240B29-F687-4f45-9708-019B960494DF}">
-                  <a14:hiddenLine xmlns:a14="http://schemas.microsoft.com/office/drawing/2010/main" xmlns="" w="9525">
+                  <a14:hiddenLine xmlns="" xmlns:a14="http://schemas.microsoft.com/office/drawing/2010/main" w="9525">
                     <a:solidFill>
                       <a:srgbClr val="000000"/>
                     </a:solidFill>
@@ -11337,7 +11504,7 @@
               </a:ln>
               <a:extLst>
                 <a:ext uri="{91240B29-F687-4f45-9708-019B960494DF}">
-                  <a14:hiddenLine xmlns:a14="http://schemas.microsoft.com/office/drawing/2010/main" xmlns="" w="9525">
+                  <a14:hiddenLine xmlns="" xmlns:a14="http://schemas.microsoft.com/office/drawing/2010/main" w="9525">
                     <a:solidFill>
                       <a:srgbClr val="000000"/>
                     </a:solidFill>
@@ -11402,7 +11569,7 @@
               </a:ln>
               <a:extLst>
                 <a:ext uri="{91240B29-F687-4f45-9708-019B960494DF}">
-                  <a14:hiddenLine xmlns:a14="http://schemas.microsoft.com/office/drawing/2010/main" xmlns="" w="9525">
+                  <a14:hiddenLine xmlns="" xmlns:a14="http://schemas.microsoft.com/office/drawing/2010/main" w="9525">
                     <a:solidFill>
                       <a:srgbClr val="000000"/>
                     </a:solidFill>
@@ -11522,7 +11689,7 @@
               </a:ln>
               <a:extLst>
                 <a:ext uri="{91240B29-F687-4f45-9708-019B960494DF}">
-                  <a14:hiddenLine xmlns:a14="http://schemas.microsoft.com/office/drawing/2010/main" xmlns="" w="9525">
+                  <a14:hiddenLine xmlns="" xmlns:a14="http://schemas.microsoft.com/office/drawing/2010/main" w="9525">
                     <a:solidFill>
                       <a:srgbClr val="000000"/>
                     </a:solidFill>
@@ -11620,7 +11787,7 @@
               </a:ln>
               <a:extLst>
                 <a:ext uri="{91240B29-F687-4f45-9708-019B960494DF}">
-                  <a14:hiddenLine xmlns:a14="http://schemas.microsoft.com/office/drawing/2010/main" xmlns="" w="9525">
+                  <a14:hiddenLine xmlns="" xmlns:a14="http://schemas.microsoft.com/office/drawing/2010/main" w="9525">
                     <a:solidFill>
                       <a:srgbClr val="000000"/>
                     </a:solidFill>
@@ -11735,7 +11902,7 @@
               </a:ln>
               <a:extLst>
                 <a:ext uri="{91240B29-F687-4f45-9708-019B960494DF}">
-                  <a14:hiddenLine xmlns:a14="http://schemas.microsoft.com/office/drawing/2010/main" xmlns="" w="9525">
+                  <a14:hiddenLine xmlns="" xmlns:a14="http://schemas.microsoft.com/office/drawing/2010/main" w="9525">
                     <a:solidFill>
                       <a:srgbClr val="000000"/>
                     </a:solidFill>
@@ -11825,7 +11992,7 @@
               </a:ln>
               <a:extLst>
                 <a:ext uri="{91240B29-F687-4f45-9708-019B960494DF}">
-                  <a14:hiddenLine xmlns:a14="http://schemas.microsoft.com/office/drawing/2010/main" xmlns="" w="9525">
+                  <a14:hiddenLine xmlns="" xmlns:a14="http://schemas.microsoft.com/office/drawing/2010/main" w="9525">
                     <a:solidFill>
                       <a:srgbClr val="000000"/>
                     </a:solidFill>
@@ -11890,7 +12057,7 @@
               </a:ln>
               <a:extLst>
                 <a:ext uri="{91240B29-F687-4f45-9708-019B960494DF}">
-                  <a14:hiddenLine xmlns:a14="http://schemas.microsoft.com/office/drawing/2010/main" xmlns="" w="9525">
+                  <a14:hiddenLine xmlns="" xmlns:a14="http://schemas.microsoft.com/office/drawing/2010/main" w="9525">
                     <a:solidFill>
                       <a:srgbClr val="000000"/>
                     </a:solidFill>
@@ -11980,7 +12147,7 @@
               </a:ln>
               <a:extLst>
                 <a:ext uri="{91240B29-F687-4f45-9708-019B960494DF}">
-                  <a14:hiddenLine xmlns:a14="http://schemas.microsoft.com/office/drawing/2010/main" xmlns="" w="9525">
+                  <a14:hiddenLine xmlns="" xmlns:a14="http://schemas.microsoft.com/office/drawing/2010/main" w="9525">
                     <a:solidFill>
                       <a:srgbClr val="000000"/>
                     </a:solidFill>
@@ -12048,7 +12215,7 @@
               </a:ln>
               <a:extLst>
                 <a:ext uri="{91240B29-F687-4f45-9708-019B960494DF}">
-                  <a14:hiddenLine xmlns:a14="http://schemas.microsoft.com/office/drawing/2010/main" xmlns="" w="9525">
+                  <a14:hiddenLine xmlns="" xmlns:a14="http://schemas.microsoft.com/office/drawing/2010/main" w="9525">
                     <a:solidFill>
                       <a:srgbClr val="000000"/>
                     </a:solidFill>
@@ -12138,7 +12305,7 @@
               </a:ln>
               <a:extLst>
                 <a:ext uri="{91240B29-F687-4f45-9708-019B960494DF}">
-                  <a14:hiddenLine xmlns:a14="http://schemas.microsoft.com/office/drawing/2010/main" xmlns="" w="9525">
+                  <a14:hiddenLine xmlns="" xmlns:a14="http://schemas.microsoft.com/office/drawing/2010/main" w="9525">
                     <a:solidFill>
                       <a:srgbClr val="000000"/>
                     </a:solidFill>
@@ -12206,7 +12373,7 @@
               </a:ln>
               <a:extLst>
                 <a:ext uri="{91240B29-F687-4f45-9708-019B960494DF}">
-                  <a14:hiddenLine xmlns:a14="http://schemas.microsoft.com/office/drawing/2010/main" xmlns="" w="9525">
+                  <a14:hiddenLine xmlns="" xmlns:a14="http://schemas.microsoft.com/office/drawing/2010/main" w="9525">
                     <a:solidFill>
                       <a:srgbClr val="000000"/>
                     </a:solidFill>
@@ -12296,7 +12463,7 @@
               </a:ln>
               <a:extLst>
                 <a:ext uri="{91240B29-F687-4f45-9708-019B960494DF}">
-                  <a14:hiddenLine xmlns:a14="http://schemas.microsoft.com/office/drawing/2010/main" xmlns="" w="9525">
+                  <a14:hiddenLine xmlns="" xmlns:a14="http://schemas.microsoft.com/office/drawing/2010/main" w="9525">
                     <a:solidFill>
                       <a:srgbClr val="000000"/>
                     </a:solidFill>
@@ -12330,7 +12497,7 @@
               </a:ln>
               <a:extLst>
                 <a:ext uri="{91240B29-F687-4f45-9708-019B960494DF}">
-                  <a14:hiddenLine xmlns:a14="http://schemas.microsoft.com/office/drawing/2010/main" xmlns="" w="9525">
+                  <a14:hiddenLine xmlns="" xmlns:a14="http://schemas.microsoft.com/office/drawing/2010/main" w="9525">
                     <a:solidFill>
                       <a:srgbClr val="000000"/>
                     </a:solidFill>
@@ -12470,7 +12637,7 @@
           <a:p>
             <a:fld id="{918D0A13-DF37-433A-BA23-15E0908055D8}" type="datetimeFigureOut">
               <a:rPr lang="en-US" smtClean="0"/>
-              <a:t>12-Mar-17</a:t>
+              <a:t>14-Mar-17</a:t>
             </a:fld>
             <a:endParaRPr lang="en-US"/>
           </a:p>
@@ -13782,7 +13949,7 @@
                   <a:schemeClr val="tx1"/>
                 </a:solidFill>
                 <a:latin typeface="Maiandra GD" panose="020E0502030308020204" pitchFamily="34" charset="0"/>
-                <a:hlinkClick r:id="rId2"/>
+                <a:hlinkClick r:id="rId3"/>
               </a:rPr>
               <a:t>entities</a:t>
             </a:r>

--- a/Explain the chapters.pptx
+++ b/Explain the chapters.pptx
@@ -5,12 +5,14 @@
     <p:sldMasterId id="2147483660" r:id="rId1"/>
   </p:sldMasterIdLst>
   <p:notesMasterIdLst>
-    <p:notesMasterId r:id="rId5"/>
+    <p:notesMasterId r:id="rId7"/>
   </p:notesMasterIdLst>
   <p:sldIdLst>
     <p:sldId id="256" r:id="rId2"/>
     <p:sldId id="257" r:id="rId3"/>
     <p:sldId id="260" r:id="rId4"/>
+    <p:sldId id="261" r:id="rId5"/>
+    <p:sldId id="262" r:id="rId6"/>
   </p:sldIdLst>
   <p:sldSz cx="12192000" cy="6858000"/>
   <p:notesSz cx="6858000" cy="9144000"/>
@@ -123,6 +125,12 @@
             <p14:sldId id="260"/>
           </p14:sldIdLst>
         </p14:section>
+        <p14:section name="Get things done by using GitHub &amp; AppHarbor" id="{83180B10-D4A9-4203-BCE4-E3C8EF1206C9}">
+          <p14:sldIdLst>
+            <p14:sldId id="261"/>
+            <p14:sldId id="262"/>
+          </p14:sldIdLst>
+        </p14:section>
       </p14:sectionLst>
     </p:ext>
     <p:ext uri="{EFAFB233-063F-42B5-8137-9DF3F51BA10A}">
@@ -214,7 +222,7 @@
           <a:p>
             <a:fld id="{6AB46F23-02EF-4704-88F9-474644CC3FEE}" type="datetimeFigureOut">
               <a:rPr lang="en-US" smtClean="0"/>
-              <a:t>14-Mar-17</a:t>
+              <a:t>22-Apr-17</a:t>
             </a:fld>
             <a:endParaRPr lang="en-US"/>
           </a:p>
@@ -724,6 +732,427 @@
     <p:extLst>
       <p:ext uri="{BB962C8B-B14F-4D97-AF65-F5344CB8AC3E}">
         <p14:creationId xmlns:p14="http://schemas.microsoft.com/office/powerpoint/2010/main" val="1244387321"/>
+      </p:ext>
+    </p:extLst>
+  </p:cSld>
+  <p:clrMapOvr>
+    <a:masterClrMapping/>
+  </p:clrMapOvr>
+</p:notes>
+</file>
+
+<file path=ppt/notesSlides/notesSlide4.xml><?xml version="1.0" encoding="utf-8"?>
+<p:notes xmlns:a="http://schemas.openxmlformats.org/drawingml/2006/main" xmlns:r="http://schemas.openxmlformats.org/officeDocument/2006/relationships" xmlns:p="http://schemas.openxmlformats.org/presentationml/2006/main">
+  <p:cSld>
+    <p:spTree>
+      <p:nvGrpSpPr>
+        <p:cNvPr id="1" name=""/>
+        <p:cNvGrpSpPr/>
+        <p:nvPr/>
+      </p:nvGrpSpPr>
+      <p:grpSpPr>
+        <a:xfrm>
+          <a:off x="0" y="0"/>
+          <a:ext cx="0" cy="0"/>
+          <a:chOff x="0" y="0"/>
+          <a:chExt cx="0" cy="0"/>
+        </a:xfrm>
+      </p:grpSpPr>
+      <p:sp>
+        <p:nvSpPr>
+          <p:cNvPr id="2" name="Slide Image Placeholder 1"/>
+          <p:cNvSpPr>
+            <a:spLocks noGrp="1" noRot="1" noChangeAspect="1"/>
+          </p:cNvSpPr>
+          <p:nvPr>
+            <p:ph type="sldImg"/>
+          </p:nvPr>
+        </p:nvSpPr>
+        <p:spPr/>
+      </p:sp>
+      <p:sp>
+        <p:nvSpPr>
+          <p:cNvPr id="3" name="Notes Placeholder 2"/>
+          <p:cNvSpPr>
+            <a:spLocks noGrp="1"/>
+          </p:cNvSpPr>
+          <p:nvPr>
+            <p:ph type="body" idx="1"/>
+          </p:nvPr>
+        </p:nvSpPr>
+        <p:spPr/>
+        <p:txBody>
+          <a:bodyPr/>
+          <a:lstStyle/>
+          <a:p>
+            <a:r>
+              <a:rPr lang="en-US" sz="1200" b="0" i="0" kern="1200" dirty="0">
+                <a:solidFill>
+                  <a:schemeClr val="tx1"/>
+                </a:solidFill>
+                <a:effectLst/>
+                <a:latin typeface="+mn-lt"/>
+                <a:ea typeface="+mn-ea"/>
+                <a:cs typeface="+mn-cs"/>
+              </a:rPr>
+              <a:t>At the heart of GitHub is </a:t>
+            </a:r>
+            <a:r>
+              <a:rPr lang="en-US" sz="1200" b="0" i="0" kern="1200" dirty="0" err="1">
+                <a:solidFill>
+                  <a:schemeClr val="tx1"/>
+                </a:solidFill>
+                <a:effectLst/>
+                <a:latin typeface="+mn-lt"/>
+                <a:ea typeface="+mn-ea"/>
+                <a:cs typeface="+mn-cs"/>
+              </a:rPr>
+              <a:t>Git</a:t>
+            </a:r>
+            <a:r>
+              <a:rPr lang="en-US" sz="1200" b="0" i="0" kern="1200" dirty="0">
+                <a:solidFill>
+                  <a:schemeClr val="tx1"/>
+                </a:solidFill>
+                <a:effectLst/>
+                <a:latin typeface="+mn-lt"/>
+                <a:ea typeface="+mn-ea"/>
+                <a:cs typeface="+mn-cs"/>
+              </a:rPr>
+              <a:t>, an open source project started by </a:t>
+            </a:r>
+            <a:r>
+              <a:rPr lang="en-US" sz="1200" b="0" i="0" u="none" strike="noStrike" kern="1200" dirty="0">
+                <a:solidFill>
+                  <a:schemeClr val="tx1"/>
+                </a:solidFill>
+                <a:effectLst/>
+                <a:latin typeface="+mn-lt"/>
+                <a:ea typeface="+mn-ea"/>
+                <a:cs typeface="+mn-cs"/>
+                <a:hlinkClick r:id="rId3"/>
+              </a:rPr>
+              <a:t>Linux creator Linus Torvalds</a:t>
+            </a:r>
+            <a:r>
+              <a:rPr lang="en-US" sz="1200" b="0" i="0" kern="1200" dirty="0">
+                <a:solidFill>
+                  <a:schemeClr val="tx1"/>
+                </a:solidFill>
+                <a:effectLst/>
+                <a:latin typeface="+mn-lt"/>
+                <a:ea typeface="+mn-ea"/>
+                <a:cs typeface="+mn-cs"/>
+              </a:rPr>
+              <a:t>. Matthew McCullough, a trainer at GitHub, explains that </a:t>
+            </a:r>
+            <a:r>
+              <a:rPr lang="en-US" sz="1200" b="0" i="0" kern="1200" dirty="0" err="1">
+                <a:solidFill>
+                  <a:schemeClr val="tx1"/>
+                </a:solidFill>
+                <a:effectLst/>
+                <a:latin typeface="+mn-lt"/>
+                <a:ea typeface="+mn-ea"/>
+                <a:cs typeface="+mn-cs"/>
+              </a:rPr>
+              <a:t>Git</a:t>
+            </a:r>
+            <a:r>
+              <a:rPr lang="en-US" sz="1200" b="0" i="0" kern="1200" dirty="0">
+                <a:solidFill>
+                  <a:schemeClr val="tx1"/>
+                </a:solidFill>
+                <a:effectLst/>
+                <a:latin typeface="+mn-lt"/>
+                <a:ea typeface="+mn-ea"/>
+                <a:cs typeface="+mn-cs"/>
+              </a:rPr>
+              <a:t>, like other version control systems, manages and stores revisions of projects. Although it’s mostly used for code, McCullough says </a:t>
+            </a:r>
+            <a:r>
+              <a:rPr lang="en-US" sz="1200" b="0" i="0" kern="1200" dirty="0" err="1">
+                <a:solidFill>
+                  <a:schemeClr val="tx1"/>
+                </a:solidFill>
+                <a:effectLst/>
+                <a:latin typeface="+mn-lt"/>
+                <a:ea typeface="+mn-ea"/>
+                <a:cs typeface="+mn-cs"/>
+              </a:rPr>
+              <a:t>Git</a:t>
+            </a:r>
+            <a:r>
+              <a:rPr lang="en-US" sz="1200" b="0" i="0" kern="1200" dirty="0">
+                <a:solidFill>
+                  <a:schemeClr val="tx1"/>
+                </a:solidFill>
+                <a:effectLst/>
+                <a:latin typeface="+mn-lt"/>
+                <a:ea typeface="+mn-ea"/>
+                <a:cs typeface="+mn-cs"/>
+              </a:rPr>
+              <a:t> could be used to manage any other type of file, such as Word documents or Final Cut projects. Think of it as a filing system for every draft of a document.</a:t>
+            </a:r>
+          </a:p>
+          <a:p>
+            <a:r>
+              <a:rPr lang="en-US" sz="1200" b="0" i="0" kern="1200" dirty="0">
+                <a:solidFill>
+                  <a:schemeClr val="tx1"/>
+                </a:solidFill>
+                <a:effectLst/>
+                <a:latin typeface="+mn-lt"/>
+                <a:ea typeface="+mn-ea"/>
+                <a:cs typeface="+mn-cs"/>
+              </a:rPr>
+              <a:t>Some of </a:t>
+            </a:r>
+            <a:r>
+              <a:rPr lang="en-US" sz="1200" b="0" i="0" kern="1200" dirty="0" err="1">
+                <a:solidFill>
+                  <a:schemeClr val="tx1"/>
+                </a:solidFill>
+                <a:effectLst/>
+                <a:latin typeface="+mn-lt"/>
+                <a:ea typeface="+mn-ea"/>
+                <a:cs typeface="+mn-cs"/>
+              </a:rPr>
+              <a:t>Git’s</a:t>
+            </a:r>
+            <a:r>
+              <a:rPr lang="en-US" sz="1200" b="0" i="0" kern="1200" dirty="0">
+                <a:solidFill>
+                  <a:schemeClr val="tx1"/>
+                </a:solidFill>
+                <a:effectLst/>
+                <a:latin typeface="+mn-lt"/>
+                <a:ea typeface="+mn-ea"/>
+                <a:cs typeface="+mn-cs"/>
+              </a:rPr>
+              <a:t> predecessors, such as </a:t>
+            </a:r>
+            <a:r>
+              <a:rPr lang="en-US" sz="1200" b="0" i="0" u="none" strike="noStrike" kern="1200" dirty="0">
+                <a:solidFill>
+                  <a:schemeClr val="tx1"/>
+                </a:solidFill>
+                <a:effectLst/>
+                <a:latin typeface="+mn-lt"/>
+                <a:ea typeface="+mn-ea"/>
+                <a:cs typeface="+mn-cs"/>
+                <a:hlinkClick r:id="rId4"/>
+              </a:rPr>
+              <a:t>CVS</a:t>
+            </a:r>
+            <a:r>
+              <a:rPr lang="en-US" sz="1200" b="0" i="0" kern="1200" dirty="0">
+                <a:solidFill>
+                  <a:schemeClr val="tx1"/>
+                </a:solidFill>
+                <a:effectLst/>
+                <a:latin typeface="+mn-lt"/>
+                <a:ea typeface="+mn-ea"/>
+                <a:cs typeface="+mn-cs"/>
+              </a:rPr>
+              <a:t> and </a:t>
+            </a:r>
+            <a:r>
+              <a:rPr lang="en-US" sz="1200" b="0" i="0" u="none" strike="noStrike" kern="1200" dirty="0">
+                <a:solidFill>
+                  <a:schemeClr val="tx1"/>
+                </a:solidFill>
+                <a:effectLst/>
+                <a:latin typeface="+mn-lt"/>
+                <a:ea typeface="+mn-ea"/>
+                <a:cs typeface="+mn-cs"/>
+                <a:hlinkClick r:id="rId5"/>
+              </a:rPr>
+              <a:t>Subversion</a:t>
+            </a:r>
+            <a:r>
+              <a:rPr lang="en-US" sz="1200" b="0" i="0" kern="1200" dirty="0">
+                <a:solidFill>
+                  <a:schemeClr val="tx1"/>
+                </a:solidFill>
+                <a:effectLst/>
+                <a:latin typeface="+mn-lt"/>
+                <a:ea typeface="+mn-ea"/>
+                <a:cs typeface="+mn-cs"/>
+              </a:rPr>
+              <a:t>, have a central “repository” of all the files associated with a project. McCullough explains that when a developer makes changes, those changes are made directly to the central repository. With distributed version control systems like </a:t>
+            </a:r>
+            <a:r>
+              <a:rPr lang="en-US" sz="1200" b="0" i="0" kern="1200" dirty="0" err="1">
+                <a:solidFill>
+                  <a:schemeClr val="tx1"/>
+                </a:solidFill>
+                <a:effectLst/>
+                <a:latin typeface="+mn-lt"/>
+                <a:ea typeface="+mn-ea"/>
+                <a:cs typeface="+mn-cs"/>
+              </a:rPr>
+              <a:t>Git</a:t>
+            </a:r>
+            <a:r>
+              <a:rPr lang="en-US" sz="1200" b="0" i="0" kern="1200" dirty="0">
+                <a:solidFill>
+                  <a:schemeClr val="tx1"/>
+                </a:solidFill>
+                <a:effectLst/>
+                <a:latin typeface="+mn-lt"/>
+                <a:ea typeface="+mn-ea"/>
+                <a:cs typeface="+mn-cs"/>
+              </a:rPr>
+              <a:t>, if you want to make a change to a project you copy the whole repository to your own system. You make your changes on your local copy, then you “check in” the changes to the central server. McCullough says this encourages the sharing of more granular changes since you don’t have to connect to the server every time you make a change.</a:t>
+            </a:r>
+          </a:p>
+          <a:p>
+            <a:r>
+              <a:rPr lang="en-US" sz="1200" b="0" i="0" kern="1200" dirty="0">
+                <a:solidFill>
+                  <a:schemeClr val="tx1"/>
+                </a:solidFill>
+                <a:effectLst/>
+                <a:latin typeface="+mn-lt"/>
+                <a:ea typeface="+mn-ea"/>
+                <a:cs typeface="+mn-cs"/>
+              </a:rPr>
+              <a:t>GitHub is a </a:t>
+            </a:r>
+            <a:r>
+              <a:rPr lang="en-US" sz="1200" b="0" i="0" kern="1200" dirty="0" err="1">
+                <a:solidFill>
+                  <a:schemeClr val="tx1"/>
+                </a:solidFill>
+                <a:effectLst/>
+                <a:latin typeface="+mn-lt"/>
+                <a:ea typeface="+mn-ea"/>
+                <a:cs typeface="+mn-cs"/>
+              </a:rPr>
+              <a:t>Git</a:t>
+            </a:r>
+            <a:r>
+              <a:rPr lang="en-US" sz="1200" b="0" i="0" kern="1200" dirty="0">
+                <a:solidFill>
+                  <a:schemeClr val="tx1"/>
+                </a:solidFill>
+                <a:effectLst/>
+                <a:latin typeface="+mn-lt"/>
+                <a:ea typeface="+mn-ea"/>
+                <a:cs typeface="+mn-cs"/>
+              </a:rPr>
+              <a:t> repository hosting service, but it adds many of its own features. While </a:t>
+            </a:r>
+            <a:r>
+              <a:rPr lang="en-US" sz="1200" b="0" i="0" kern="1200" dirty="0" err="1">
+                <a:solidFill>
+                  <a:schemeClr val="tx1"/>
+                </a:solidFill>
+                <a:effectLst/>
+                <a:latin typeface="+mn-lt"/>
+                <a:ea typeface="+mn-ea"/>
+                <a:cs typeface="+mn-cs"/>
+              </a:rPr>
+              <a:t>Git</a:t>
+            </a:r>
+            <a:r>
+              <a:rPr lang="en-US" sz="1200" b="0" i="0" kern="1200" dirty="0">
+                <a:solidFill>
+                  <a:schemeClr val="tx1"/>
+                </a:solidFill>
+                <a:effectLst/>
+                <a:latin typeface="+mn-lt"/>
+                <a:ea typeface="+mn-ea"/>
+                <a:cs typeface="+mn-cs"/>
+              </a:rPr>
+              <a:t> is a command line tool, GitHub provides a Web-based graphical interface. It also provides access control and several collaboration features, such as a wikis and basic task management tools for every project.</a:t>
+            </a:r>
+          </a:p>
+          <a:p>
+            <a:r>
+              <a:rPr lang="en-US" sz="1200" b="0" i="0" kern="1200" dirty="0">
+                <a:solidFill>
+                  <a:schemeClr val="tx1"/>
+                </a:solidFill>
+                <a:effectLst/>
+                <a:latin typeface="+mn-lt"/>
+                <a:ea typeface="+mn-ea"/>
+                <a:cs typeface="+mn-cs"/>
+              </a:rPr>
+              <a:t>The flagship functionality of GitHub is “forking” – copying a repository from one user’s account to another. This enables you to take a project that you don’t have write access to and modify it under your own account. If you make changes you’d like to share, you can send a notification called a “pull request” to the original owner. That user can then, with a click of a button, merge the changes found in your repo with the original repo.</a:t>
+            </a:r>
+          </a:p>
+          <a:p>
+            <a:r>
+              <a:rPr lang="en-US" sz="1200" b="0" i="0" kern="1200" dirty="0">
+                <a:solidFill>
+                  <a:schemeClr val="tx1"/>
+                </a:solidFill>
+                <a:effectLst/>
+                <a:latin typeface="+mn-lt"/>
+                <a:ea typeface="+mn-ea"/>
+                <a:cs typeface="+mn-cs"/>
+              </a:rPr>
+              <a:t>These three features – fork, pull request and merge – are what make GitHub so powerful. Gregg Pollack of Code School (which just launched a class called </a:t>
+            </a:r>
+            <a:r>
+              <a:rPr lang="en-US" sz="1200" b="0" i="0" u="none" strike="noStrike" kern="1200" dirty="0" err="1">
+                <a:solidFill>
+                  <a:schemeClr val="tx1"/>
+                </a:solidFill>
+                <a:effectLst/>
+                <a:latin typeface="+mn-lt"/>
+                <a:ea typeface="+mn-ea"/>
+                <a:cs typeface="+mn-cs"/>
+              </a:rPr>
+              <a:t>TryGit</a:t>
+            </a:r>
+            <a:r>
+              <a:rPr lang="en-US" sz="1200" b="0" i="0" kern="1200" dirty="0">
+                <a:solidFill>
+                  <a:schemeClr val="tx1"/>
+                </a:solidFill>
+                <a:effectLst/>
+                <a:latin typeface="+mn-lt"/>
+                <a:ea typeface="+mn-ea"/>
+                <a:cs typeface="+mn-cs"/>
+              </a:rPr>
+              <a:t>) explains that before GitHub, if you wanted to contribute to an open source project you had to manually download the project’s source code, make your changes locally, create a list of changes called a “patch” and then e-mail the patch to the project’s maintainer. The maintainer would then have to evaluate this patch, possibly sent by a total stranger, and decide whether to merge the changes.</a:t>
+            </a:r>
+          </a:p>
+          <a:p>
+            <a:endParaRPr lang="en-US" dirty="0"/>
+          </a:p>
+        </p:txBody>
+      </p:sp>
+      <p:sp>
+        <p:nvSpPr>
+          <p:cNvPr id="4" name="Slide Number Placeholder 3"/>
+          <p:cNvSpPr>
+            <a:spLocks noGrp="1"/>
+          </p:cNvSpPr>
+          <p:nvPr>
+            <p:ph type="sldNum" sz="quarter" idx="10"/>
+          </p:nvPr>
+        </p:nvSpPr>
+        <p:spPr/>
+        <p:txBody>
+          <a:bodyPr/>
+          <a:lstStyle/>
+          <a:p>
+            <a:fld id="{6EF0A342-33DD-45BC-B6B0-C043583FFD70}" type="slidenum">
+              <a:rPr lang="en-US" smtClean="0"/>
+              <a:t>4</a:t>
+            </a:fld>
+            <a:endParaRPr lang="en-US"/>
+          </a:p>
+        </p:txBody>
+      </p:sp>
+    </p:spTree>
+    <p:extLst>
+      <p:ext uri="{BB962C8B-B14F-4D97-AF65-F5344CB8AC3E}">
+        <p14:creationId xmlns:p14="http://schemas.microsoft.com/office/powerpoint/2010/main" val="959515771"/>
       </p:ext>
     </p:extLst>
   </p:cSld>
@@ -5009,7 +5438,7 @@
           <a:p>
             <a:fld id="{918D0A13-DF37-433A-BA23-15E0908055D8}" type="datetimeFigureOut">
               <a:rPr lang="en-US" smtClean="0"/>
-              <a:t>14-Mar-17</a:t>
+              <a:t>22-Apr-17</a:t>
             </a:fld>
             <a:endParaRPr lang="en-US"/>
           </a:p>
@@ -5276,7 +5705,7 @@
           <a:p>
             <a:fld id="{918D0A13-DF37-433A-BA23-15E0908055D8}" type="datetimeFigureOut">
               <a:rPr lang="en-US" smtClean="0"/>
-              <a:t>14-Mar-17</a:t>
+              <a:t>22-Apr-17</a:t>
             </a:fld>
             <a:endParaRPr lang="en-US"/>
           </a:p>
@@ -5472,7 +5901,7 @@
           <a:p>
             <a:fld id="{918D0A13-DF37-433A-BA23-15E0908055D8}" type="datetimeFigureOut">
               <a:rPr lang="en-US" smtClean="0"/>
-              <a:t>14-Mar-17</a:t>
+              <a:t>22-Apr-17</a:t>
             </a:fld>
             <a:endParaRPr lang="en-US"/>
           </a:p>
@@ -5735,7 +6164,7 @@
           <a:p>
             <a:fld id="{918D0A13-DF37-433A-BA23-15E0908055D8}" type="datetimeFigureOut">
               <a:rPr lang="en-US" smtClean="0"/>
-              <a:t>14-Mar-17</a:t>
+              <a:t>22-Apr-17</a:t>
             </a:fld>
             <a:endParaRPr lang="en-US"/>
           </a:p>
@@ -6169,7 +6598,7 @@
           <a:p>
             <a:fld id="{918D0A13-DF37-433A-BA23-15E0908055D8}" type="datetimeFigureOut">
               <a:rPr lang="en-US" smtClean="0"/>
-              <a:t>14-Mar-17</a:t>
+              <a:t>22-Apr-17</a:t>
             </a:fld>
             <a:endParaRPr lang="en-US"/>
           </a:p>
@@ -6715,7 +7144,7 @@
           <a:p>
             <a:fld id="{918D0A13-DF37-433A-BA23-15E0908055D8}" type="datetimeFigureOut">
               <a:rPr lang="en-US" smtClean="0"/>
-              <a:t>14-Mar-17</a:t>
+              <a:t>22-Apr-17</a:t>
             </a:fld>
             <a:endParaRPr lang="en-US"/>
           </a:p>
@@ -7435,7 +7864,7 @@
           <a:p>
             <a:fld id="{918D0A13-DF37-433A-BA23-15E0908055D8}" type="datetimeFigureOut">
               <a:rPr lang="en-US" smtClean="0"/>
-              <a:t>14-Mar-17</a:t>
+              <a:t>22-Apr-17</a:t>
             </a:fld>
             <a:endParaRPr lang="en-US"/>
           </a:p>
@@ -7605,7 +8034,7 @@
           <a:p>
             <a:fld id="{918D0A13-DF37-433A-BA23-15E0908055D8}" type="datetimeFigureOut">
               <a:rPr lang="en-US" smtClean="0"/>
-              <a:t>14-Mar-17</a:t>
+              <a:t>22-Apr-17</a:t>
             </a:fld>
             <a:endParaRPr lang="en-US"/>
           </a:p>
@@ -7785,7 +8214,7 @@
           <a:p>
             <a:fld id="{918D0A13-DF37-433A-BA23-15E0908055D8}" type="datetimeFigureOut">
               <a:rPr lang="en-US" smtClean="0"/>
-              <a:t>14-Mar-17</a:t>
+              <a:t>22-Apr-17</a:t>
             </a:fld>
             <a:endParaRPr lang="en-US"/>
           </a:p>
@@ -7955,7 +8384,7 @@
           <a:p>
             <a:fld id="{918D0A13-DF37-433A-BA23-15E0908055D8}" type="datetimeFigureOut">
               <a:rPr lang="en-US" smtClean="0"/>
-              <a:t>14-Mar-17</a:t>
+              <a:t>22-Apr-17</a:t>
             </a:fld>
             <a:endParaRPr lang="en-US"/>
           </a:p>
@@ -8205,7 +8634,7 @@
           <a:p>
             <a:fld id="{918D0A13-DF37-433A-BA23-15E0908055D8}" type="datetimeFigureOut">
               <a:rPr lang="en-US" smtClean="0"/>
-              <a:t>14-Mar-17</a:t>
+              <a:t>22-Apr-17</a:t>
             </a:fld>
             <a:endParaRPr lang="en-US"/>
           </a:p>
@@ -8437,7 +8866,7 @@
           <a:p>
             <a:fld id="{918D0A13-DF37-433A-BA23-15E0908055D8}" type="datetimeFigureOut">
               <a:rPr lang="en-US" smtClean="0"/>
-              <a:t>14-Mar-17</a:t>
+              <a:t>22-Apr-17</a:t>
             </a:fld>
             <a:endParaRPr lang="en-US"/>
           </a:p>
@@ -8818,7 +9247,7 @@
           <a:p>
             <a:fld id="{918D0A13-DF37-433A-BA23-15E0908055D8}" type="datetimeFigureOut">
               <a:rPr lang="en-US" smtClean="0"/>
-              <a:t>14-Mar-17</a:t>
+              <a:t>22-Apr-17</a:t>
             </a:fld>
             <a:endParaRPr lang="en-US"/>
           </a:p>
@@ -8936,7 +9365,7 @@
           <a:p>
             <a:fld id="{918D0A13-DF37-433A-BA23-15E0908055D8}" type="datetimeFigureOut">
               <a:rPr lang="en-US" smtClean="0"/>
-              <a:t>14-Mar-17</a:t>
+              <a:t>22-Apr-17</a:t>
             </a:fld>
             <a:endParaRPr lang="en-US"/>
           </a:p>
@@ -9031,7 +9460,7 @@
           <a:p>
             <a:fld id="{918D0A13-DF37-433A-BA23-15E0908055D8}" type="datetimeFigureOut">
               <a:rPr lang="en-US" smtClean="0"/>
-              <a:t>14-Mar-17</a:t>
+              <a:t>22-Apr-17</a:t>
             </a:fld>
             <a:endParaRPr lang="en-US"/>
           </a:p>
@@ -9280,7 +9709,7 @@
           <a:p>
             <a:fld id="{918D0A13-DF37-433A-BA23-15E0908055D8}" type="datetimeFigureOut">
               <a:rPr lang="en-US" smtClean="0"/>
-              <a:t>14-Mar-17</a:t>
+              <a:t>22-Apr-17</a:t>
             </a:fld>
             <a:endParaRPr lang="en-US"/>
           </a:p>
@@ -9560,7 +9989,7 @@
           <a:p>
             <a:fld id="{918D0A13-DF37-433A-BA23-15E0908055D8}" type="datetimeFigureOut">
               <a:rPr lang="en-US" smtClean="0"/>
-              <a:t>14-Mar-17</a:t>
+              <a:t>22-Apr-17</a:t>
             </a:fld>
             <a:endParaRPr lang="en-US"/>
           </a:p>
@@ -12637,7 +13066,7 @@
           <a:p>
             <a:fld id="{918D0A13-DF37-433A-BA23-15E0908055D8}" type="datetimeFigureOut">
               <a:rPr lang="en-US" smtClean="0"/>
-              <a:t>14-Mar-17</a:t>
+              <a:t>22-Apr-17</a:t>
             </a:fld>
             <a:endParaRPr lang="en-US"/>
           </a:p>
@@ -13041,7 +13470,7 @@
 </file>
 
 <file path=ppt/slides/slide1.xml><?xml version="1.0" encoding="utf-8"?>
-<p:sld xmlns:a="http://schemas.openxmlformats.org/drawingml/2006/main" xmlns:r="http://schemas.openxmlformats.org/officeDocument/2006/relationships" xmlns:p="http://schemas.openxmlformats.org/presentationml/2006/main">
+<p:sld xmlns:a="http://schemas.openxmlformats.org/drawingml/2006/main" xmlns:r="http://schemas.openxmlformats.org/officeDocument/2006/relationships" xmlns:p="http://schemas.openxmlformats.org/presentationml/2006/main" show="0">
   <p:cSld>
     <p:spTree>
       <p:nvGrpSpPr>
@@ -13360,7 +13789,7 @@
 </file>
 
 <file path=ppt/slides/slide2.xml><?xml version="1.0" encoding="utf-8"?>
-<p:sld xmlns:a="http://schemas.openxmlformats.org/drawingml/2006/main" xmlns:r="http://schemas.openxmlformats.org/officeDocument/2006/relationships" xmlns:p="http://schemas.openxmlformats.org/presentationml/2006/main">
+<p:sld xmlns:a="http://schemas.openxmlformats.org/drawingml/2006/main" xmlns:r="http://schemas.openxmlformats.org/officeDocument/2006/relationships" xmlns:p="http://schemas.openxmlformats.org/presentationml/2006/main" show="0">
   <p:cSld>
     <p:spTree>
       <p:nvGrpSpPr>
@@ -13989,6 +14418,2715 @@
   <p:clrMapOvr>
     <a:masterClrMapping/>
   </p:clrMapOvr>
+  <p:timing>
+    <p:tnLst>
+      <p:par>
+        <p:cTn id="1" dur="indefinite" restart="never" nodeType="tmRoot">
+          <p:childTnLst>
+            <p:seq concurrent="1" nextAc="seek">
+              <p:cTn id="2" dur="indefinite" nodeType="mainSeq">
+                <p:childTnLst>
+                  <p:par>
+                    <p:cTn id="3" fill="hold">
+                      <p:stCondLst>
+                        <p:cond delay="indefinite"/>
+                      </p:stCondLst>
+                      <p:childTnLst>
+                        <p:par>
+                          <p:cTn id="4" fill="hold">
+                            <p:stCondLst>
+                              <p:cond delay="0"/>
+                            </p:stCondLst>
+                            <p:childTnLst>
+                              <p:par>
+                                <p:cTn id="5" presetID="2" presetClass="entr" presetSubtype="4" fill="hold" nodeType="clickEffect">
+                                  <p:stCondLst>
+                                    <p:cond delay="0"/>
+                                  </p:stCondLst>
+                                  <p:childTnLst>
+                                    <p:set>
+                                      <p:cBhvr>
+                                        <p:cTn id="6" dur="1" fill="hold">
+                                          <p:stCondLst>
+                                            <p:cond delay="0"/>
+                                          </p:stCondLst>
+                                        </p:cTn>
+                                        <p:tgtEl>
+                                          <p:spTgt spid="3">
+                                            <p:txEl>
+                                              <p:pRg st="1" end="1"/>
+                                            </p:txEl>
+                                          </p:spTgt>
+                                        </p:tgtEl>
+                                        <p:attrNameLst>
+                                          <p:attrName>style.visibility</p:attrName>
+                                        </p:attrNameLst>
+                                      </p:cBhvr>
+                                      <p:to>
+                                        <p:strVal val="visible"/>
+                                      </p:to>
+                                    </p:set>
+                                    <p:anim calcmode="lin" valueType="num">
+                                      <p:cBhvr additive="base">
+                                        <p:cTn id="7" dur="500" fill="hold"/>
+                                        <p:tgtEl>
+                                          <p:spTgt spid="3">
+                                            <p:txEl>
+                                              <p:pRg st="1" end="1"/>
+                                            </p:txEl>
+                                          </p:spTgt>
+                                        </p:tgtEl>
+                                        <p:attrNameLst>
+                                          <p:attrName>ppt_x</p:attrName>
+                                        </p:attrNameLst>
+                                      </p:cBhvr>
+                                      <p:tavLst>
+                                        <p:tav tm="0">
+                                          <p:val>
+                                            <p:strVal val="#ppt_x"/>
+                                          </p:val>
+                                        </p:tav>
+                                        <p:tav tm="100000">
+                                          <p:val>
+                                            <p:strVal val="#ppt_x"/>
+                                          </p:val>
+                                        </p:tav>
+                                      </p:tavLst>
+                                    </p:anim>
+                                    <p:anim calcmode="lin" valueType="num">
+                                      <p:cBhvr additive="base">
+                                        <p:cTn id="8" dur="500" fill="hold"/>
+                                        <p:tgtEl>
+                                          <p:spTgt spid="3">
+                                            <p:txEl>
+                                              <p:pRg st="1" end="1"/>
+                                            </p:txEl>
+                                          </p:spTgt>
+                                        </p:tgtEl>
+                                        <p:attrNameLst>
+                                          <p:attrName>ppt_y</p:attrName>
+                                        </p:attrNameLst>
+                                      </p:cBhvr>
+                                      <p:tavLst>
+                                        <p:tav tm="0">
+                                          <p:val>
+                                            <p:strVal val="1+#ppt_h/2"/>
+                                          </p:val>
+                                        </p:tav>
+                                        <p:tav tm="100000">
+                                          <p:val>
+                                            <p:strVal val="#ppt_y"/>
+                                          </p:val>
+                                        </p:tav>
+                                      </p:tavLst>
+                                    </p:anim>
+                                  </p:childTnLst>
+                                </p:cTn>
+                              </p:par>
+                            </p:childTnLst>
+                          </p:cTn>
+                        </p:par>
+                      </p:childTnLst>
+                    </p:cTn>
+                  </p:par>
+                  <p:par>
+                    <p:cTn id="9" fill="hold">
+                      <p:stCondLst>
+                        <p:cond delay="indefinite"/>
+                      </p:stCondLst>
+                      <p:childTnLst>
+                        <p:par>
+                          <p:cTn id="10" fill="hold">
+                            <p:stCondLst>
+                              <p:cond delay="0"/>
+                            </p:stCondLst>
+                            <p:childTnLst>
+                              <p:par>
+                                <p:cTn id="11" presetID="2" presetClass="entr" presetSubtype="4" fill="hold" nodeType="clickEffect">
+                                  <p:stCondLst>
+                                    <p:cond delay="0"/>
+                                  </p:stCondLst>
+                                  <p:childTnLst>
+                                    <p:set>
+                                      <p:cBhvr>
+                                        <p:cTn id="12" dur="1" fill="hold">
+                                          <p:stCondLst>
+                                            <p:cond delay="0"/>
+                                          </p:stCondLst>
+                                        </p:cTn>
+                                        <p:tgtEl>
+                                          <p:spTgt spid="3">
+                                            <p:txEl>
+                                              <p:pRg st="2" end="2"/>
+                                            </p:txEl>
+                                          </p:spTgt>
+                                        </p:tgtEl>
+                                        <p:attrNameLst>
+                                          <p:attrName>style.visibility</p:attrName>
+                                        </p:attrNameLst>
+                                      </p:cBhvr>
+                                      <p:to>
+                                        <p:strVal val="visible"/>
+                                      </p:to>
+                                    </p:set>
+                                    <p:anim calcmode="lin" valueType="num">
+                                      <p:cBhvr additive="base">
+                                        <p:cTn id="13" dur="500" fill="hold"/>
+                                        <p:tgtEl>
+                                          <p:spTgt spid="3">
+                                            <p:txEl>
+                                              <p:pRg st="2" end="2"/>
+                                            </p:txEl>
+                                          </p:spTgt>
+                                        </p:tgtEl>
+                                        <p:attrNameLst>
+                                          <p:attrName>ppt_x</p:attrName>
+                                        </p:attrNameLst>
+                                      </p:cBhvr>
+                                      <p:tavLst>
+                                        <p:tav tm="0">
+                                          <p:val>
+                                            <p:strVal val="#ppt_x"/>
+                                          </p:val>
+                                        </p:tav>
+                                        <p:tav tm="100000">
+                                          <p:val>
+                                            <p:strVal val="#ppt_x"/>
+                                          </p:val>
+                                        </p:tav>
+                                      </p:tavLst>
+                                    </p:anim>
+                                    <p:anim calcmode="lin" valueType="num">
+                                      <p:cBhvr additive="base">
+                                        <p:cTn id="14" dur="500" fill="hold"/>
+                                        <p:tgtEl>
+                                          <p:spTgt spid="3">
+                                            <p:txEl>
+                                              <p:pRg st="2" end="2"/>
+                                            </p:txEl>
+                                          </p:spTgt>
+                                        </p:tgtEl>
+                                        <p:attrNameLst>
+                                          <p:attrName>ppt_y</p:attrName>
+                                        </p:attrNameLst>
+                                      </p:cBhvr>
+                                      <p:tavLst>
+                                        <p:tav tm="0">
+                                          <p:val>
+                                            <p:strVal val="1+#ppt_h/2"/>
+                                          </p:val>
+                                        </p:tav>
+                                        <p:tav tm="100000">
+                                          <p:val>
+                                            <p:strVal val="#ppt_y"/>
+                                          </p:val>
+                                        </p:tav>
+                                      </p:tavLst>
+                                    </p:anim>
+                                  </p:childTnLst>
+                                </p:cTn>
+                              </p:par>
+                            </p:childTnLst>
+                          </p:cTn>
+                        </p:par>
+                      </p:childTnLst>
+                    </p:cTn>
+                  </p:par>
+                  <p:par>
+                    <p:cTn id="15" fill="hold">
+                      <p:stCondLst>
+                        <p:cond delay="indefinite"/>
+                      </p:stCondLst>
+                      <p:childTnLst>
+                        <p:par>
+                          <p:cTn id="16" fill="hold">
+                            <p:stCondLst>
+                              <p:cond delay="0"/>
+                            </p:stCondLst>
+                            <p:childTnLst>
+                              <p:par>
+                                <p:cTn id="17" presetID="2" presetClass="entr" presetSubtype="4" fill="hold" nodeType="clickEffect">
+                                  <p:stCondLst>
+                                    <p:cond delay="0"/>
+                                  </p:stCondLst>
+                                  <p:childTnLst>
+                                    <p:set>
+                                      <p:cBhvr>
+                                        <p:cTn id="18" dur="1" fill="hold">
+                                          <p:stCondLst>
+                                            <p:cond delay="0"/>
+                                          </p:stCondLst>
+                                        </p:cTn>
+                                        <p:tgtEl>
+                                          <p:spTgt spid="3">
+                                            <p:txEl>
+                                              <p:pRg st="3" end="3"/>
+                                            </p:txEl>
+                                          </p:spTgt>
+                                        </p:tgtEl>
+                                        <p:attrNameLst>
+                                          <p:attrName>style.visibility</p:attrName>
+                                        </p:attrNameLst>
+                                      </p:cBhvr>
+                                      <p:to>
+                                        <p:strVal val="visible"/>
+                                      </p:to>
+                                    </p:set>
+                                    <p:anim calcmode="lin" valueType="num">
+                                      <p:cBhvr additive="base">
+                                        <p:cTn id="19" dur="500" fill="hold"/>
+                                        <p:tgtEl>
+                                          <p:spTgt spid="3">
+                                            <p:txEl>
+                                              <p:pRg st="3" end="3"/>
+                                            </p:txEl>
+                                          </p:spTgt>
+                                        </p:tgtEl>
+                                        <p:attrNameLst>
+                                          <p:attrName>ppt_x</p:attrName>
+                                        </p:attrNameLst>
+                                      </p:cBhvr>
+                                      <p:tavLst>
+                                        <p:tav tm="0">
+                                          <p:val>
+                                            <p:strVal val="#ppt_x"/>
+                                          </p:val>
+                                        </p:tav>
+                                        <p:tav tm="100000">
+                                          <p:val>
+                                            <p:strVal val="#ppt_x"/>
+                                          </p:val>
+                                        </p:tav>
+                                      </p:tavLst>
+                                    </p:anim>
+                                    <p:anim calcmode="lin" valueType="num">
+                                      <p:cBhvr additive="base">
+                                        <p:cTn id="20" dur="500" fill="hold"/>
+                                        <p:tgtEl>
+                                          <p:spTgt spid="3">
+                                            <p:txEl>
+                                              <p:pRg st="3" end="3"/>
+                                            </p:txEl>
+                                          </p:spTgt>
+                                        </p:tgtEl>
+                                        <p:attrNameLst>
+                                          <p:attrName>ppt_y</p:attrName>
+                                        </p:attrNameLst>
+                                      </p:cBhvr>
+                                      <p:tavLst>
+                                        <p:tav tm="0">
+                                          <p:val>
+                                            <p:strVal val="1+#ppt_h/2"/>
+                                          </p:val>
+                                        </p:tav>
+                                        <p:tav tm="100000">
+                                          <p:val>
+                                            <p:strVal val="#ppt_y"/>
+                                          </p:val>
+                                        </p:tav>
+                                      </p:tavLst>
+                                    </p:anim>
+                                  </p:childTnLst>
+                                </p:cTn>
+                              </p:par>
+                            </p:childTnLst>
+                          </p:cTn>
+                        </p:par>
+                      </p:childTnLst>
+                    </p:cTn>
+                  </p:par>
+                  <p:par>
+                    <p:cTn id="21" fill="hold">
+                      <p:stCondLst>
+                        <p:cond delay="indefinite"/>
+                      </p:stCondLst>
+                      <p:childTnLst>
+                        <p:par>
+                          <p:cTn id="22" fill="hold">
+                            <p:stCondLst>
+                              <p:cond delay="0"/>
+                            </p:stCondLst>
+                            <p:childTnLst>
+                              <p:par>
+                                <p:cTn id="23" presetID="2" presetClass="entr" presetSubtype="4" fill="hold" nodeType="clickEffect">
+                                  <p:stCondLst>
+                                    <p:cond delay="0"/>
+                                  </p:stCondLst>
+                                  <p:childTnLst>
+                                    <p:set>
+                                      <p:cBhvr>
+                                        <p:cTn id="24" dur="1" fill="hold">
+                                          <p:stCondLst>
+                                            <p:cond delay="0"/>
+                                          </p:stCondLst>
+                                        </p:cTn>
+                                        <p:tgtEl>
+                                          <p:spTgt spid="3">
+                                            <p:txEl>
+                                              <p:pRg st="4" end="4"/>
+                                            </p:txEl>
+                                          </p:spTgt>
+                                        </p:tgtEl>
+                                        <p:attrNameLst>
+                                          <p:attrName>style.visibility</p:attrName>
+                                        </p:attrNameLst>
+                                      </p:cBhvr>
+                                      <p:to>
+                                        <p:strVal val="visible"/>
+                                      </p:to>
+                                    </p:set>
+                                    <p:anim calcmode="lin" valueType="num">
+                                      <p:cBhvr additive="base">
+                                        <p:cTn id="25" dur="500" fill="hold"/>
+                                        <p:tgtEl>
+                                          <p:spTgt spid="3">
+                                            <p:txEl>
+                                              <p:pRg st="4" end="4"/>
+                                            </p:txEl>
+                                          </p:spTgt>
+                                        </p:tgtEl>
+                                        <p:attrNameLst>
+                                          <p:attrName>ppt_x</p:attrName>
+                                        </p:attrNameLst>
+                                      </p:cBhvr>
+                                      <p:tavLst>
+                                        <p:tav tm="0">
+                                          <p:val>
+                                            <p:strVal val="#ppt_x"/>
+                                          </p:val>
+                                        </p:tav>
+                                        <p:tav tm="100000">
+                                          <p:val>
+                                            <p:strVal val="#ppt_x"/>
+                                          </p:val>
+                                        </p:tav>
+                                      </p:tavLst>
+                                    </p:anim>
+                                    <p:anim calcmode="lin" valueType="num">
+                                      <p:cBhvr additive="base">
+                                        <p:cTn id="26" dur="500" fill="hold"/>
+                                        <p:tgtEl>
+                                          <p:spTgt spid="3">
+                                            <p:txEl>
+                                              <p:pRg st="4" end="4"/>
+                                            </p:txEl>
+                                          </p:spTgt>
+                                        </p:tgtEl>
+                                        <p:attrNameLst>
+                                          <p:attrName>ppt_y</p:attrName>
+                                        </p:attrNameLst>
+                                      </p:cBhvr>
+                                      <p:tavLst>
+                                        <p:tav tm="0">
+                                          <p:val>
+                                            <p:strVal val="1+#ppt_h/2"/>
+                                          </p:val>
+                                        </p:tav>
+                                        <p:tav tm="100000">
+                                          <p:val>
+                                            <p:strVal val="#ppt_y"/>
+                                          </p:val>
+                                        </p:tav>
+                                      </p:tavLst>
+                                    </p:anim>
+                                  </p:childTnLst>
+                                </p:cTn>
+                              </p:par>
+                            </p:childTnLst>
+                          </p:cTn>
+                        </p:par>
+                      </p:childTnLst>
+                    </p:cTn>
+                  </p:par>
+                  <p:par>
+                    <p:cTn id="27" fill="hold">
+                      <p:stCondLst>
+                        <p:cond delay="indefinite"/>
+                      </p:stCondLst>
+                      <p:childTnLst>
+                        <p:par>
+                          <p:cTn id="28" fill="hold">
+                            <p:stCondLst>
+                              <p:cond delay="0"/>
+                            </p:stCondLst>
+                            <p:childTnLst>
+                              <p:par>
+                                <p:cTn id="29" presetID="42" presetClass="entr" presetSubtype="0" fill="hold" nodeType="clickEffect">
+                                  <p:stCondLst>
+                                    <p:cond delay="0"/>
+                                  </p:stCondLst>
+                                  <p:childTnLst>
+                                    <p:set>
+                                      <p:cBhvr>
+                                        <p:cTn id="30" dur="1" fill="hold">
+                                          <p:stCondLst>
+                                            <p:cond delay="0"/>
+                                          </p:stCondLst>
+                                        </p:cTn>
+                                        <p:tgtEl>
+                                          <p:spTgt spid="3">
+                                            <p:txEl>
+                                              <p:pRg st="5" end="5"/>
+                                            </p:txEl>
+                                          </p:spTgt>
+                                        </p:tgtEl>
+                                        <p:attrNameLst>
+                                          <p:attrName>style.visibility</p:attrName>
+                                        </p:attrNameLst>
+                                      </p:cBhvr>
+                                      <p:to>
+                                        <p:strVal val="visible"/>
+                                      </p:to>
+                                    </p:set>
+                                    <p:animEffect transition="in" filter="fade">
+                                      <p:cBhvr>
+                                        <p:cTn id="31" dur="1000"/>
+                                        <p:tgtEl>
+                                          <p:spTgt spid="3">
+                                            <p:txEl>
+                                              <p:pRg st="5" end="5"/>
+                                            </p:txEl>
+                                          </p:spTgt>
+                                        </p:tgtEl>
+                                      </p:cBhvr>
+                                    </p:animEffect>
+                                    <p:anim calcmode="lin" valueType="num">
+                                      <p:cBhvr>
+                                        <p:cTn id="32" dur="1000" fill="hold"/>
+                                        <p:tgtEl>
+                                          <p:spTgt spid="3">
+                                            <p:txEl>
+                                              <p:pRg st="5" end="5"/>
+                                            </p:txEl>
+                                          </p:spTgt>
+                                        </p:tgtEl>
+                                        <p:attrNameLst>
+                                          <p:attrName>ppt_x</p:attrName>
+                                        </p:attrNameLst>
+                                      </p:cBhvr>
+                                      <p:tavLst>
+                                        <p:tav tm="0">
+                                          <p:val>
+                                            <p:strVal val="#ppt_x"/>
+                                          </p:val>
+                                        </p:tav>
+                                        <p:tav tm="100000">
+                                          <p:val>
+                                            <p:strVal val="#ppt_x"/>
+                                          </p:val>
+                                        </p:tav>
+                                      </p:tavLst>
+                                    </p:anim>
+                                    <p:anim calcmode="lin" valueType="num">
+                                      <p:cBhvr>
+                                        <p:cTn id="33" dur="1000" fill="hold"/>
+                                        <p:tgtEl>
+                                          <p:spTgt spid="3">
+                                            <p:txEl>
+                                              <p:pRg st="5" end="5"/>
+                                            </p:txEl>
+                                          </p:spTgt>
+                                        </p:tgtEl>
+                                        <p:attrNameLst>
+                                          <p:attrName>ppt_y</p:attrName>
+                                        </p:attrNameLst>
+                                      </p:cBhvr>
+                                      <p:tavLst>
+                                        <p:tav tm="0">
+                                          <p:val>
+                                            <p:strVal val="#ppt_y+.1"/>
+                                          </p:val>
+                                        </p:tav>
+                                        <p:tav tm="100000">
+                                          <p:val>
+                                            <p:strVal val="#ppt_y"/>
+                                          </p:val>
+                                        </p:tav>
+                                      </p:tavLst>
+                                    </p:anim>
+                                  </p:childTnLst>
+                                </p:cTn>
+                              </p:par>
+                            </p:childTnLst>
+                          </p:cTn>
+                        </p:par>
+                      </p:childTnLst>
+                    </p:cTn>
+                  </p:par>
+                  <p:par>
+                    <p:cTn id="34" fill="hold">
+                      <p:stCondLst>
+                        <p:cond delay="indefinite"/>
+                      </p:stCondLst>
+                      <p:childTnLst>
+                        <p:par>
+                          <p:cTn id="35" fill="hold">
+                            <p:stCondLst>
+                              <p:cond delay="0"/>
+                            </p:stCondLst>
+                            <p:childTnLst>
+                              <p:par>
+                                <p:cTn id="36" presetID="42" presetClass="entr" presetSubtype="0" fill="hold" nodeType="clickEffect">
+                                  <p:stCondLst>
+                                    <p:cond delay="0"/>
+                                  </p:stCondLst>
+                                  <p:childTnLst>
+                                    <p:set>
+                                      <p:cBhvr>
+                                        <p:cTn id="37" dur="1" fill="hold">
+                                          <p:stCondLst>
+                                            <p:cond delay="0"/>
+                                          </p:stCondLst>
+                                        </p:cTn>
+                                        <p:tgtEl>
+                                          <p:spTgt spid="3">
+                                            <p:txEl>
+                                              <p:pRg st="6" end="6"/>
+                                            </p:txEl>
+                                          </p:spTgt>
+                                        </p:tgtEl>
+                                        <p:attrNameLst>
+                                          <p:attrName>style.visibility</p:attrName>
+                                        </p:attrNameLst>
+                                      </p:cBhvr>
+                                      <p:to>
+                                        <p:strVal val="visible"/>
+                                      </p:to>
+                                    </p:set>
+                                    <p:animEffect transition="in" filter="fade">
+                                      <p:cBhvr>
+                                        <p:cTn id="38" dur="1000"/>
+                                        <p:tgtEl>
+                                          <p:spTgt spid="3">
+                                            <p:txEl>
+                                              <p:pRg st="6" end="6"/>
+                                            </p:txEl>
+                                          </p:spTgt>
+                                        </p:tgtEl>
+                                      </p:cBhvr>
+                                    </p:animEffect>
+                                    <p:anim calcmode="lin" valueType="num">
+                                      <p:cBhvr>
+                                        <p:cTn id="39" dur="1000" fill="hold"/>
+                                        <p:tgtEl>
+                                          <p:spTgt spid="3">
+                                            <p:txEl>
+                                              <p:pRg st="6" end="6"/>
+                                            </p:txEl>
+                                          </p:spTgt>
+                                        </p:tgtEl>
+                                        <p:attrNameLst>
+                                          <p:attrName>ppt_x</p:attrName>
+                                        </p:attrNameLst>
+                                      </p:cBhvr>
+                                      <p:tavLst>
+                                        <p:tav tm="0">
+                                          <p:val>
+                                            <p:strVal val="#ppt_x"/>
+                                          </p:val>
+                                        </p:tav>
+                                        <p:tav tm="100000">
+                                          <p:val>
+                                            <p:strVal val="#ppt_x"/>
+                                          </p:val>
+                                        </p:tav>
+                                      </p:tavLst>
+                                    </p:anim>
+                                    <p:anim calcmode="lin" valueType="num">
+                                      <p:cBhvr>
+                                        <p:cTn id="40" dur="1000" fill="hold"/>
+                                        <p:tgtEl>
+                                          <p:spTgt spid="3">
+                                            <p:txEl>
+                                              <p:pRg st="6" end="6"/>
+                                            </p:txEl>
+                                          </p:spTgt>
+                                        </p:tgtEl>
+                                        <p:attrNameLst>
+                                          <p:attrName>ppt_y</p:attrName>
+                                        </p:attrNameLst>
+                                      </p:cBhvr>
+                                      <p:tavLst>
+                                        <p:tav tm="0">
+                                          <p:val>
+                                            <p:strVal val="#ppt_y+.1"/>
+                                          </p:val>
+                                        </p:tav>
+                                        <p:tav tm="100000">
+                                          <p:val>
+                                            <p:strVal val="#ppt_y"/>
+                                          </p:val>
+                                        </p:tav>
+                                      </p:tavLst>
+                                    </p:anim>
+                                  </p:childTnLst>
+                                </p:cTn>
+                              </p:par>
+                            </p:childTnLst>
+                          </p:cTn>
+                        </p:par>
+                      </p:childTnLst>
+                    </p:cTn>
+                  </p:par>
+                </p:childTnLst>
+              </p:cTn>
+              <p:prevCondLst>
+                <p:cond evt="onPrev" delay="0">
+                  <p:tgtEl>
+                    <p:sldTgt/>
+                  </p:tgtEl>
+                </p:cond>
+              </p:prevCondLst>
+              <p:nextCondLst>
+                <p:cond evt="onNext" delay="0">
+                  <p:tgtEl>
+                    <p:sldTgt/>
+                  </p:tgtEl>
+                </p:cond>
+              </p:nextCondLst>
+            </p:seq>
+          </p:childTnLst>
+        </p:cTn>
+      </p:par>
+    </p:tnLst>
+  </p:timing>
+</p:sld>
+</file>
+
+<file path=ppt/slides/slide4.xml><?xml version="1.0" encoding="utf-8"?>
+<p:sld xmlns:a="http://schemas.openxmlformats.org/drawingml/2006/main" xmlns:r="http://schemas.openxmlformats.org/officeDocument/2006/relationships" xmlns:p="http://schemas.openxmlformats.org/presentationml/2006/main">
+  <p:cSld>
+    <p:bg>
+      <p:bgPr>
+        <a:gradFill>
+          <a:gsLst>
+            <a:gs pos="0">
+              <a:schemeClr val="accent1">
+                <a:lumMod val="5000"/>
+                <a:lumOff val="95000"/>
+              </a:schemeClr>
+            </a:gs>
+            <a:gs pos="74000">
+              <a:schemeClr val="accent1">
+                <a:lumMod val="45000"/>
+                <a:lumOff val="55000"/>
+              </a:schemeClr>
+            </a:gs>
+            <a:gs pos="83000">
+              <a:schemeClr val="accent1">
+                <a:lumMod val="45000"/>
+                <a:lumOff val="55000"/>
+              </a:schemeClr>
+            </a:gs>
+            <a:gs pos="100000">
+              <a:schemeClr val="accent1">
+                <a:lumMod val="30000"/>
+                <a:lumOff val="70000"/>
+              </a:schemeClr>
+            </a:gs>
+          </a:gsLst>
+          <a:lin ang="5400000" scaled="1"/>
+        </a:gradFill>
+        <a:effectLst/>
+      </p:bgPr>
+    </p:bg>
+    <p:spTree>
+      <p:nvGrpSpPr>
+        <p:cNvPr id="1" name=""/>
+        <p:cNvGrpSpPr/>
+        <p:nvPr/>
+      </p:nvGrpSpPr>
+      <p:grpSpPr>
+        <a:xfrm>
+          <a:off x="0" y="0"/>
+          <a:ext cx="0" cy="0"/>
+          <a:chOff x="0" y="0"/>
+          <a:chExt cx="0" cy="0"/>
+        </a:xfrm>
+      </p:grpSpPr>
+      <p:pic>
+        <p:nvPicPr>
+          <p:cNvPr id="6" name="Picture 5"/>
+          <p:cNvPicPr>
+            <a:picLocks noChangeAspect="1"/>
+          </p:cNvPicPr>
+          <p:nvPr/>
+        </p:nvPicPr>
+        <p:blipFill>
+          <a:blip r:embed="rId3">
+            <a:extLst>
+              <a:ext uri="{28A0092B-C50C-407E-A947-70E740481C1C}">
+                <a14:useLocalDpi xmlns:a14="http://schemas.microsoft.com/office/drawing/2010/main" val="0"/>
+              </a:ext>
+            </a:extLst>
+          </a:blip>
+          <a:stretch>
+            <a:fillRect/>
+          </a:stretch>
+        </p:blipFill>
+        <p:spPr>
+          <a:xfrm>
+            <a:off x="871805" y="3894873"/>
+            <a:ext cx="1886629" cy="1886629"/>
+          </a:xfrm>
+          <a:prstGeom prst="rect">
+            <a:avLst/>
+          </a:prstGeom>
+        </p:spPr>
+      </p:pic>
+      <p:pic>
+        <p:nvPicPr>
+          <p:cNvPr id="11" name="Picture 10"/>
+          <p:cNvPicPr>
+            <a:picLocks noChangeAspect="1"/>
+          </p:cNvPicPr>
+          <p:nvPr/>
+        </p:nvPicPr>
+        <p:blipFill>
+          <a:blip r:embed="rId4" cstate="print">
+            <a:extLst>
+              <a:ext uri="{28A0092B-C50C-407E-A947-70E740481C1C}">
+                <a14:useLocalDpi xmlns:a14="http://schemas.microsoft.com/office/drawing/2010/main" val="0"/>
+              </a:ext>
+            </a:extLst>
+          </a:blip>
+          <a:stretch>
+            <a:fillRect/>
+          </a:stretch>
+        </p:blipFill>
+        <p:spPr>
+          <a:xfrm>
+            <a:off x="1058813" y="1641599"/>
+            <a:ext cx="1512617" cy="1512617"/>
+          </a:xfrm>
+          <a:prstGeom prst="rect">
+            <a:avLst/>
+          </a:prstGeom>
+        </p:spPr>
+      </p:pic>
+      <p:sp>
+        <p:nvSpPr>
+          <p:cNvPr id="12" name="TextBox 11"/>
+          <p:cNvSpPr txBox="1"/>
+          <p:nvPr/>
+        </p:nvSpPr>
+        <p:spPr>
+          <a:xfrm>
+            <a:off x="202946" y="3233621"/>
+            <a:ext cx="3224349" cy="461665"/>
+          </a:xfrm>
+          <a:prstGeom prst="rect">
+            <a:avLst/>
+          </a:prstGeom>
+          <a:noFill/>
+        </p:spPr>
+        <p:txBody>
+          <a:bodyPr wrap="square" rtlCol="0">
+            <a:spAutoFit/>
+          </a:bodyPr>
+          <a:lstStyle/>
+          <a:p>
+            <a:pPr algn="ctr"/>
+            <a:r>
+              <a:rPr lang="en-US" sz="2400" b="1" dirty="0">
+                <a:solidFill>
+                  <a:schemeClr val="bg2"/>
+                </a:solidFill>
+                <a:latin typeface="Californian FB" panose="0207040306080B030204" pitchFamily="18" charset="0"/>
+              </a:rPr>
+              <a:t>GitHub</a:t>
+            </a:r>
+          </a:p>
+        </p:txBody>
+      </p:sp>
+      <p:sp>
+        <p:nvSpPr>
+          <p:cNvPr id="5" name="TextBox 4"/>
+          <p:cNvSpPr txBox="1"/>
+          <p:nvPr/>
+        </p:nvSpPr>
+        <p:spPr>
+          <a:xfrm>
+            <a:off x="1165412" y="472048"/>
+            <a:ext cx="10641106" cy="646331"/>
+          </a:xfrm>
+          <a:prstGeom prst="rect">
+            <a:avLst/>
+          </a:prstGeom>
+          <a:noFill/>
+        </p:spPr>
+        <p:txBody>
+          <a:bodyPr wrap="square" rtlCol="0">
+            <a:spAutoFit/>
+          </a:bodyPr>
+          <a:lstStyle/>
+          <a:p>
+            <a:r>
+              <a:rPr lang="en-US" sz="3600" b="1">
+                <a:solidFill>
+                  <a:schemeClr val="bg2"/>
+                </a:solidFill>
+                <a:latin typeface="Californian FB" panose="0207040306080B030204" pitchFamily="18" charset="0"/>
+              </a:rPr>
+              <a:t>Getting ‘shits’ </a:t>
+            </a:r>
+            <a:r>
+              <a:rPr lang="en-US" sz="3600" b="1" dirty="0">
+                <a:solidFill>
+                  <a:schemeClr val="bg2"/>
+                </a:solidFill>
+                <a:latin typeface="Californian FB" panose="0207040306080B030204" pitchFamily="18" charset="0"/>
+              </a:rPr>
+              <a:t>done by using GitHub &amp; </a:t>
+            </a:r>
+            <a:r>
+              <a:rPr lang="en-US" sz="3600" b="1" dirty="0" err="1">
+                <a:solidFill>
+                  <a:schemeClr val="bg2"/>
+                </a:solidFill>
+                <a:latin typeface="Californian FB" panose="0207040306080B030204" pitchFamily="18" charset="0"/>
+              </a:rPr>
+              <a:t>AppHarbor</a:t>
+            </a:r>
+            <a:endParaRPr lang="en-US" sz="3600" b="1" dirty="0">
+              <a:solidFill>
+                <a:schemeClr val="bg2"/>
+              </a:solidFill>
+              <a:latin typeface="Californian FB" panose="0207040306080B030204" pitchFamily="18" charset="0"/>
+            </a:endParaRPr>
+          </a:p>
+        </p:txBody>
+      </p:sp>
+      <p:sp>
+        <p:nvSpPr>
+          <p:cNvPr id="2" name="TextBox 1"/>
+          <p:cNvSpPr txBox="1"/>
+          <p:nvPr/>
+        </p:nvSpPr>
+        <p:spPr>
+          <a:xfrm>
+            <a:off x="2987966" y="1641599"/>
+            <a:ext cx="6509859" cy="400110"/>
+          </a:xfrm>
+          <a:prstGeom prst="rect">
+            <a:avLst/>
+          </a:prstGeom>
+          <a:noFill/>
+        </p:spPr>
+        <p:txBody>
+          <a:bodyPr wrap="none" rtlCol="0">
+            <a:spAutoFit/>
+          </a:bodyPr>
+          <a:lstStyle/>
+          <a:p>
+            <a:r>
+              <a:rPr lang="en-US" sz="2000" b="1" dirty="0">
+                <a:solidFill>
+                  <a:schemeClr val="bg2"/>
+                </a:solidFill>
+              </a:rPr>
+              <a:t>GitHub is web-based </a:t>
+            </a:r>
+            <a:r>
+              <a:rPr lang="en-US" sz="2000" b="1" dirty="0" err="1">
+                <a:solidFill>
+                  <a:schemeClr val="bg2"/>
+                </a:solidFill>
+              </a:rPr>
+              <a:t>Git</a:t>
+            </a:r>
+            <a:r>
+              <a:rPr lang="en-US" sz="2000" b="1" dirty="0">
+                <a:solidFill>
+                  <a:schemeClr val="bg2"/>
+                </a:solidFill>
+              </a:rPr>
+              <a:t> or version control repository tool. </a:t>
+            </a:r>
+          </a:p>
+        </p:txBody>
+      </p:sp>
+      <p:sp>
+        <p:nvSpPr>
+          <p:cNvPr id="3" name="TextBox 2"/>
+          <p:cNvSpPr txBox="1"/>
+          <p:nvPr/>
+        </p:nvSpPr>
+        <p:spPr>
+          <a:xfrm>
+            <a:off x="2987966" y="2145222"/>
+            <a:ext cx="8407192" cy="707886"/>
+          </a:xfrm>
+          <a:prstGeom prst="rect">
+            <a:avLst/>
+          </a:prstGeom>
+          <a:noFill/>
+        </p:spPr>
+        <p:txBody>
+          <a:bodyPr wrap="square" rtlCol="0">
+            <a:spAutoFit/>
+          </a:bodyPr>
+          <a:lstStyle/>
+          <a:p>
+            <a:r>
+              <a:rPr lang="en-US" sz="2000" b="1" dirty="0">
+                <a:solidFill>
+                  <a:schemeClr val="bg2"/>
+                </a:solidFill>
+              </a:rPr>
+              <a:t>Distributes version control and SCM – source code management functionality of </a:t>
+            </a:r>
+            <a:r>
+              <a:rPr lang="en-US" sz="2000" b="1" dirty="0" err="1">
+                <a:solidFill>
+                  <a:schemeClr val="bg2"/>
+                </a:solidFill>
+              </a:rPr>
+              <a:t>Git</a:t>
+            </a:r>
+            <a:r>
+              <a:rPr lang="en-US" sz="2000" b="1" dirty="0">
+                <a:solidFill>
+                  <a:schemeClr val="bg2"/>
+                </a:solidFill>
+              </a:rPr>
+              <a:t>.</a:t>
+            </a:r>
+            <a:endParaRPr lang="en-US" dirty="0"/>
+          </a:p>
+        </p:txBody>
+      </p:sp>
+      <p:sp>
+        <p:nvSpPr>
+          <p:cNvPr id="8" name="TextBox 7"/>
+          <p:cNvSpPr txBox="1"/>
+          <p:nvPr/>
+        </p:nvSpPr>
+        <p:spPr>
+          <a:xfrm>
+            <a:off x="2987966" y="2956621"/>
+            <a:ext cx="8818552" cy="707886"/>
+          </a:xfrm>
+          <a:prstGeom prst="rect">
+            <a:avLst/>
+          </a:prstGeom>
+          <a:noFill/>
+        </p:spPr>
+        <p:txBody>
+          <a:bodyPr wrap="square" rtlCol="0">
+            <a:spAutoFit/>
+          </a:bodyPr>
+          <a:lstStyle/>
+          <a:p>
+            <a:r>
+              <a:rPr lang="en-US" sz="2000" b="1" dirty="0">
+                <a:solidFill>
+                  <a:schemeClr val="bg2"/>
+                </a:solidFill>
+              </a:rPr>
+              <a:t>GitHub provides a Web-based graphical interface. </a:t>
+            </a:r>
+          </a:p>
+          <a:p>
+            <a:r>
+              <a:rPr lang="en-US" sz="2000" b="1" dirty="0">
+                <a:solidFill>
+                  <a:schemeClr val="bg2"/>
+                </a:solidFill>
+              </a:rPr>
+              <a:t>It also provides access control and several collaboration features.</a:t>
+            </a:r>
+          </a:p>
+        </p:txBody>
+      </p:sp>
+      <p:sp>
+        <p:nvSpPr>
+          <p:cNvPr id="13" name="TextBox 12"/>
+          <p:cNvSpPr txBox="1"/>
+          <p:nvPr/>
+        </p:nvSpPr>
+        <p:spPr>
+          <a:xfrm>
+            <a:off x="2987966" y="4125701"/>
+            <a:ext cx="8818552" cy="400110"/>
+          </a:xfrm>
+          <a:prstGeom prst="rect">
+            <a:avLst/>
+          </a:prstGeom>
+          <a:noFill/>
+        </p:spPr>
+        <p:txBody>
+          <a:bodyPr wrap="square" rtlCol="0">
+            <a:spAutoFit/>
+          </a:bodyPr>
+          <a:lstStyle/>
+          <a:p>
+            <a:r>
+              <a:rPr lang="en-US" sz="2000" b="1" dirty="0" err="1">
+                <a:solidFill>
+                  <a:schemeClr val="bg2"/>
+                </a:solidFill>
+              </a:rPr>
+              <a:t>AppHarBor</a:t>
+            </a:r>
+            <a:r>
+              <a:rPr lang="en-US" sz="2000" b="1" dirty="0">
+                <a:solidFill>
+                  <a:schemeClr val="bg2"/>
+                </a:solidFill>
+              </a:rPr>
+              <a:t> is fully hosted .NET platform as a service.</a:t>
+            </a:r>
+          </a:p>
+        </p:txBody>
+      </p:sp>
+      <p:sp>
+        <p:nvSpPr>
+          <p:cNvPr id="14" name="TextBox 13"/>
+          <p:cNvSpPr txBox="1"/>
+          <p:nvPr/>
+        </p:nvSpPr>
+        <p:spPr>
+          <a:xfrm>
+            <a:off x="2987966" y="4586895"/>
+            <a:ext cx="8818552" cy="400110"/>
+          </a:xfrm>
+          <a:prstGeom prst="rect">
+            <a:avLst/>
+          </a:prstGeom>
+          <a:noFill/>
+        </p:spPr>
+        <p:txBody>
+          <a:bodyPr wrap="square" rtlCol="0">
+            <a:spAutoFit/>
+          </a:bodyPr>
+          <a:lstStyle/>
+          <a:p>
+            <a:r>
+              <a:rPr lang="en-US" sz="2000" b="1" dirty="0">
+                <a:solidFill>
+                  <a:schemeClr val="bg2"/>
+                </a:solidFill>
+              </a:rPr>
+              <a:t>Instantly deploy and scale .NET applications using version control tools - </a:t>
+            </a:r>
+            <a:r>
+              <a:rPr lang="en-US" sz="2000" b="1" dirty="0" err="1">
+                <a:solidFill>
+                  <a:schemeClr val="bg2"/>
+                </a:solidFill>
+              </a:rPr>
+              <a:t>Git</a:t>
+            </a:r>
+            <a:r>
+              <a:rPr lang="en-US" sz="2000" b="1" dirty="0">
+                <a:solidFill>
+                  <a:schemeClr val="bg2"/>
+                </a:solidFill>
+              </a:rPr>
+              <a:t>.</a:t>
+            </a:r>
+          </a:p>
+        </p:txBody>
+      </p:sp>
+      <p:sp>
+        <p:nvSpPr>
+          <p:cNvPr id="15" name="TextBox 14"/>
+          <p:cNvSpPr txBox="1"/>
+          <p:nvPr/>
+        </p:nvSpPr>
+        <p:spPr>
+          <a:xfrm>
+            <a:off x="2987966" y="5095577"/>
+            <a:ext cx="8818552" cy="400110"/>
+          </a:xfrm>
+          <a:prstGeom prst="rect">
+            <a:avLst/>
+          </a:prstGeom>
+          <a:noFill/>
+        </p:spPr>
+        <p:txBody>
+          <a:bodyPr wrap="square" rtlCol="0">
+            <a:spAutoFit/>
+          </a:bodyPr>
+          <a:lstStyle/>
+          <a:p>
+            <a:r>
+              <a:rPr lang="en-US" sz="2000" b="1" dirty="0">
+                <a:solidFill>
+                  <a:schemeClr val="bg2"/>
+                </a:solidFill>
+              </a:rPr>
+              <a:t>Accessing application trough complimentary apphb.com subdomain.</a:t>
+            </a:r>
+          </a:p>
+        </p:txBody>
+      </p:sp>
+      <p:sp>
+        <p:nvSpPr>
+          <p:cNvPr id="16" name="TextBox 15"/>
+          <p:cNvSpPr txBox="1"/>
+          <p:nvPr/>
+        </p:nvSpPr>
+        <p:spPr>
+          <a:xfrm>
+            <a:off x="1574790" y="5905601"/>
+            <a:ext cx="9336210" cy="523220"/>
+          </a:xfrm>
+          <a:prstGeom prst="rect">
+            <a:avLst/>
+          </a:prstGeom>
+          <a:noFill/>
+        </p:spPr>
+        <p:txBody>
+          <a:bodyPr wrap="none" rtlCol="0">
+            <a:spAutoFit/>
+          </a:bodyPr>
+          <a:lstStyle/>
+          <a:p>
+            <a:r>
+              <a:rPr lang="en-US" sz="2800" b="1" u="sng" dirty="0">
+                <a:solidFill>
+                  <a:schemeClr val="bg2"/>
+                </a:solidFill>
+                <a:latin typeface="Goudy Stout" panose="0202090407030B020401" pitchFamily="18" charset="0"/>
+              </a:rPr>
+              <a:t>Top deal: both are free!</a:t>
+            </a:r>
+          </a:p>
+        </p:txBody>
+      </p:sp>
+    </p:spTree>
+    <p:extLst>
+      <p:ext uri="{BB962C8B-B14F-4D97-AF65-F5344CB8AC3E}">
+        <p14:creationId xmlns:p14="http://schemas.microsoft.com/office/powerpoint/2010/main" val="3295935272"/>
+      </p:ext>
+    </p:extLst>
+  </p:cSld>
+  <p:clrMapOvr>
+    <a:masterClrMapping/>
+  </p:clrMapOvr>
+  <mc:AlternateContent xmlns:mc="http://schemas.openxmlformats.org/markup-compatibility/2006">
+    <mc:Choice xmlns:p14="http://schemas.microsoft.com/office/powerpoint/2010/main" Requires="p14">
+      <p:transition spd="slow" p14:dur="3400">
+        <p14:reveal/>
+      </p:transition>
+    </mc:Choice>
+    <mc:Fallback>
+      <p:transition spd="slow">
+        <p:fade/>
+      </p:transition>
+    </mc:Fallback>
+  </mc:AlternateContent>
+  <p:timing>
+    <p:tnLst>
+      <p:par>
+        <p:cTn id="1" dur="indefinite" restart="never" nodeType="tmRoot">
+          <p:childTnLst>
+            <p:seq concurrent="1" nextAc="seek">
+              <p:cTn id="2" dur="indefinite" nodeType="mainSeq">
+                <p:childTnLst>
+                  <p:par>
+                    <p:cTn id="3" fill="hold">
+                      <p:stCondLst>
+                        <p:cond delay="indefinite"/>
+                      </p:stCondLst>
+                      <p:childTnLst>
+                        <p:par>
+                          <p:cTn id="4" fill="hold">
+                            <p:stCondLst>
+                              <p:cond delay="0"/>
+                            </p:stCondLst>
+                            <p:childTnLst>
+                              <p:par>
+                                <p:cTn id="5" presetID="16" presetClass="entr" presetSubtype="21" fill="hold" nodeType="clickEffect">
+                                  <p:stCondLst>
+                                    <p:cond delay="0"/>
+                                  </p:stCondLst>
+                                  <p:childTnLst>
+                                    <p:set>
+                                      <p:cBhvr>
+                                        <p:cTn id="6" dur="1" fill="hold">
+                                          <p:stCondLst>
+                                            <p:cond delay="0"/>
+                                          </p:stCondLst>
+                                        </p:cTn>
+                                        <p:tgtEl>
+                                          <p:spTgt spid="2">
+                                            <p:txEl>
+                                              <p:pRg st="0" end="0"/>
+                                            </p:txEl>
+                                          </p:spTgt>
+                                        </p:tgtEl>
+                                        <p:attrNameLst>
+                                          <p:attrName>style.visibility</p:attrName>
+                                        </p:attrNameLst>
+                                      </p:cBhvr>
+                                      <p:to>
+                                        <p:strVal val="visible"/>
+                                      </p:to>
+                                    </p:set>
+                                    <p:animEffect transition="in" filter="barn(inVertical)">
+                                      <p:cBhvr>
+                                        <p:cTn id="7" dur="500"/>
+                                        <p:tgtEl>
+                                          <p:spTgt spid="2">
+                                            <p:txEl>
+                                              <p:pRg st="0" end="0"/>
+                                            </p:txEl>
+                                          </p:spTgt>
+                                        </p:tgtEl>
+                                      </p:cBhvr>
+                                    </p:animEffect>
+                                  </p:childTnLst>
+                                </p:cTn>
+                              </p:par>
+                            </p:childTnLst>
+                          </p:cTn>
+                        </p:par>
+                      </p:childTnLst>
+                    </p:cTn>
+                  </p:par>
+                  <p:par>
+                    <p:cTn id="8" fill="hold">
+                      <p:stCondLst>
+                        <p:cond delay="indefinite"/>
+                      </p:stCondLst>
+                      <p:childTnLst>
+                        <p:par>
+                          <p:cTn id="9" fill="hold">
+                            <p:stCondLst>
+                              <p:cond delay="0"/>
+                            </p:stCondLst>
+                            <p:childTnLst>
+                              <p:par>
+                                <p:cTn id="10" presetID="16" presetClass="entr" presetSubtype="21" fill="hold" grpId="0" nodeType="clickEffect">
+                                  <p:stCondLst>
+                                    <p:cond delay="0"/>
+                                  </p:stCondLst>
+                                  <p:childTnLst>
+                                    <p:set>
+                                      <p:cBhvr>
+                                        <p:cTn id="11" dur="1" fill="hold">
+                                          <p:stCondLst>
+                                            <p:cond delay="0"/>
+                                          </p:stCondLst>
+                                        </p:cTn>
+                                        <p:tgtEl>
+                                          <p:spTgt spid="3"/>
+                                        </p:tgtEl>
+                                        <p:attrNameLst>
+                                          <p:attrName>style.visibility</p:attrName>
+                                        </p:attrNameLst>
+                                      </p:cBhvr>
+                                      <p:to>
+                                        <p:strVal val="visible"/>
+                                      </p:to>
+                                    </p:set>
+                                    <p:animEffect transition="in" filter="barn(inVertical)">
+                                      <p:cBhvr>
+                                        <p:cTn id="12" dur="500"/>
+                                        <p:tgtEl>
+                                          <p:spTgt spid="3"/>
+                                        </p:tgtEl>
+                                      </p:cBhvr>
+                                    </p:animEffect>
+                                  </p:childTnLst>
+                                </p:cTn>
+                              </p:par>
+                            </p:childTnLst>
+                          </p:cTn>
+                        </p:par>
+                      </p:childTnLst>
+                    </p:cTn>
+                  </p:par>
+                  <p:par>
+                    <p:cTn id="13" fill="hold">
+                      <p:stCondLst>
+                        <p:cond delay="indefinite"/>
+                      </p:stCondLst>
+                      <p:childTnLst>
+                        <p:par>
+                          <p:cTn id="14" fill="hold">
+                            <p:stCondLst>
+                              <p:cond delay="0"/>
+                            </p:stCondLst>
+                            <p:childTnLst>
+                              <p:par>
+                                <p:cTn id="15" presetID="16" presetClass="entr" presetSubtype="21" fill="hold" grpId="0" nodeType="clickEffect">
+                                  <p:stCondLst>
+                                    <p:cond delay="0"/>
+                                  </p:stCondLst>
+                                  <p:childTnLst>
+                                    <p:set>
+                                      <p:cBhvr>
+                                        <p:cTn id="16" dur="1" fill="hold">
+                                          <p:stCondLst>
+                                            <p:cond delay="0"/>
+                                          </p:stCondLst>
+                                        </p:cTn>
+                                        <p:tgtEl>
+                                          <p:spTgt spid="8"/>
+                                        </p:tgtEl>
+                                        <p:attrNameLst>
+                                          <p:attrName>style.visibility</p:attrName>
+                                        </p:attrNameLst>
+                                      </p:cBhvr>
+                                      <p:to>
+                                        <p:strVal val="visible"/>
+                                      </p:to>
+                                    </p:set>
+                                    <p:animEffect transition="in" filter="barn(inVertical)">
+                                      <p:cBhvr>
+                                        <p:cTn id="17" dur="500"/>
+                                        <p:tgtEl>
+                                          <p:spTgt spid="8"/>
+                                        </p:tgtEl>
+                                      </p:cBhvr>
+                                    </p:animEffect>
+                                  </p:childTnLst>
+                                </p:cTn>
+                              </p:par>
+                            </p:childTnLst>
+                          </p:cTn>
+                        </p:par>
+                      </p:childTnLst>
+                    </p:cTn>
+                  </p:par>
+                  <p:par>
+                    <p:cTn id="18" fill="hold">
+                      <p:stCondLst>
+                        <p:cond delay="indefinite"/>
+                      </p:stCondLst>
+                      <p:childTnLst>
+                        <p:par>
+                          <p:cTn id="19" fill="hold">
+                            <p:stCondLst>
+                              <p:cond delay="0"/>
+                            </p:stCondLst>
+                            <p:childTnLst>
+                              <p:par>
+                                <p:cTn id="20" presetID="16" presetClass="entr" presetSubtype="21" fill="hold" grpId="0" nodeType="clickEffect">
+                                  <p:stCondLst>
+                                    <p:cond delay="0"/>
+                                  </p:stCondLst>
+                                  <p:childTnLst>
+                                    <p:set>
+                                      <p:cBhvr>
+                                        <p:cTn id="21" dur="1" fill="hold">
+                                          <p:stCondLst>
+                                            <p:cond delay="0"/>
+                                          </p:stCondLst>
+                                        </p:cTn>
+                                        <p:tgtEl>
+                                          <p:spTgt spid="13"/>
+                                        </p:tgtEl>
+                                        <p:attrNameLst>
+                                          <p:attrName>style.visibility</p:attrName>
+                                        </p:attrNameLst>
+                                      </p:cBhvr>
+                                      <p:to>
+                                        <p:strVal val="visible"/>
+                                      </p:to>
+                                    </p:set>
+                                    <p:animEffect transition="in" filter="barn(inVertical)">
+                                      <p:cBhvr>
+                                        <p:cTn id="22" dur="500"/>
+                                        <p:tgtEl>
+                                          <p:spTgt spid="13"/>
+                                        </p:tgtEl>
+                                      </p:cBhvr>
+                                    </p:animEffect>
+                                  </p:childTnLst>
+                                </p:cTn>
+                              </p:par>
+                            </p:childTnLst>
+                          </p:cTn>
+                        </p:par>
+                      </p:childTnLst>
+                    </p:cTn>
+                  </p:par>
+                  <p:par>
+                    <p:cTn id="23" fill="hold">
+                      <p:stCondLst>
+                        <p:cond delay="indefinite"/>
+                      </p:stCondLst>
+                      <p:childTnLst>
+                        <p:par>
+                          <p:cTn id="24" fill="hold">
+                            <p:stCondLst>
+                              <p:cond delay="0"/>
+                            </p:stCondLst>
+                            <p:childTnLst>
+                              <p:par>
+                                <p:cTn id="25" presetID="16" presetClass="entr" presetSubtype="21" fill="hold" grpId="0" nodeType="clickEffect">
+                                  <p:stCondLst>
+                                    <p:cond delay="0"/>
+                                  </p:stCondLst>
+                                  <p:childTnLst>
+                                    <p:set>
+                                      <p:cBhvr>
+                                        <p:cTn id="26" dur="1" fill="hold">
+                                          <p:stCondLst>
+                                            <p:cond delay="0"/>
+                                          </p:stCondLst>
+                                        </p:cTn>
+                                        <p:tgtEl>
+                                          <p:spTgt spid="14"/>
+                                        </p:tgtEl>
+                                        <p:attrNameLst>
+                                          <p:attrName>style.visibility</p:attrName>
+                                        </p:attrNameLst>
+                                      </p:cBhvr>
+                                      <p:to>
+                                        <p:strVal val="visible"/>
+                                      </p:to>
+                                    </p:set>
+                                    <p:animEffect transition="in" filter="barn(inVertical)">
+                                      <p:cBhvr>
+                                        <p:cTn id="27" dur="500"/>
+                                        <p:tgtEl>
+                                          <p:spTgt spid="14"/>
+                                        </p:tgtEl>
+                                      </p:cBhvr>
+                                    </p:animEffect>
+                                  </p:childTnLst>
+                                </p:cTn>
+                              </p:par>
+                            </p:childTnLst>
+                          </p:cTn>
+                        </p:par>
+                      </p:childTnLst>
+                    </p:cTn>
+                  </p:par>
+                  <p:par>
+                    <p:cTn id="28" fill="hold">
+                      <p:stCondLst>
+                        <p:cond delay="indefinite"/>
+                      </p:stCondLst>
+                      <p:childTnLst>
+                        <p:par>
+                          <p:cTn id="29" fill="hold">
+                            <p:stCondLst>
+                              <p:cond delay="0"/>
+                            </p:stCondLst>
+                            <p:childTnLst>
+                              <p:par>
+                                <p:cTn id="30" presetID="16" presetClass="entr" presetSubtype="21" fill="hold" grpId="0" nodeType="clickEffect">
+                                  <p:stCondLst>
+                                    <p:cond delay="0"/>
+                                  </p:stCondLst>
+                                  <p:childTnLst>
+                                    <p:set>
+                                      <p:cBhvr>
+                                        <p:cTn id="31" dur="1" fill="hold">
+                                          <p:stCondLst>
+                                            <p:cond delay="0"/>
+                                          </p:stCondLst>
+                                        </p:cTn>
+                                        <p:tgtEl>
+                                          <p:spTgt spid="15"/>
+                                        </p:tgtEl>
+                                        <p:attrNameLst>
+                                          <p:attrName>style.visibility</p:attrName>
+                                        </p:attrNameLst>
+                                      </p:cBhvr>
+                                      <p:to>
+                                        <p:strVal val="visible"/>
+                                      </p:to>
+                                    </p:set>
+                                    <p:animEffect transition="in" filter="barn(inVertical)">
+                                      <p:cBhvr>
+                                        <p:cTn id="32" dur="500"/>
+                                        <p:tgtEl>
+                                          <p:spTgt spid="15"/>
+                                        </p:tgtEl>
+                                      </p:cBhvr>
+                                    </p:animEffect>
+                                  </p:childTnLst>
+                                </p:cTn>
+                              </p:par>
+                            </p:childTnLst>
+                          </p:cTn>
+                        </p:par>
+                      </p:childTnLst>
+                    </p:cTn>
+                  </p:par>
+                  <p:par>
+                    <p:cTn id="33" fill="hold">
+                      <p:stCondLst>
+                        <p:cond delay="indefinite"/>
+                      </p:stCondLst>
+                      <p:childTnLst>
+                        <p:par>
+                          <p:cTn id="34" fill="hold">
+                            <p:stCondLst>
+                              <p:cond delay="0"/>
+                            </p:stCondLst>
+                            <p:childTnLst>
+                              <p:par>
+                                <p:cTn id="35" presetID="26" presetClass="entr" presetSubtype="0" fill="hold" grpId="0" nodeType="clickEffect">
+                                  <p:stCondLst>
+                                    <p:cond delay="0"/>
+                                  </p:stCondLst>
+                                  <p:childTnLst>
+                                    <p:set>
+                                      <p:cBhvr>
+                                        <p:cTn id="36" dur="1" fill="hold">
+                                          <p:stCondLst>
+                                            <p:cond delay="0"/>
+                                          </p:stCondLst>
+                                        </p:cTn>
+                                        <p:tgtEl>
+                                          <p:spTgt spid="16"/>
+                                        </p:tgtEl>
+                                        <p:attrNameLst>
+                                          <p:attrName>style.visibility</p:attrName>
+                                        </p:attrNameLst>
+                                      </p:cBhvr>
+                                      <p:to>
+                                        <p:strVal val="visible"/>
+                                      </p:to>
+                                    </p:set>
+                                    <p:animEffect transition="in" filter="wipe(down)">
+                                      <p:cBhvr>
+                                        <p:cTn id="37" dur="580">
+                                          <p:stCondLst>
+                                            <p:cond delay="0"/>
+                                          </p:stCondLst>
+                                        </p:cTn>
+                                        <p:tgtEl>
+                                          <p:spTgt spid="16"/>
+                                        </p:tgtEl>
+                                      </p:cBhvr>
+                                    </p:animEffect>
+                                    <p:anim calcmode="lin" valueType="num">
+                                      <p:cBhvr>
+                                        <p:cTn id="38" dur="1822" tmFilter="0,0; 0.14,0.36; 0.43,0.73; 0.71,0.91; 1.0,1.0">
+                                          <p:stCondLst>
+                                            <p:cond delay="0"/>
+                                          </p:stCondLst>
+                                        </p:cTn>
+                                        <p:tgtEl>
+                                          <p:spTgt spid="16"/>
+                                        </p:tgtEl>
+                                        <p:attrNameLst>
+                                          <p:attrName>ppt_x</p:attrName>
+                                        </p:attrNameLst>
+                                      </p:cBhvr>
+                                      <p:tavLst>
+                                        <p:tav tm="0">
+                                          <p:val>
+                                            <p:strVal val="#ppt_x-0.25"/>
+                                          </p:val>
+                                        </p:tav>
+                                        <p:tav tm="100000">
+                                          <p:val>
+                                            <p:strVal val="#ppt_x"/>
+                                          </p:val>
+                                        </p:tav>
+                                      </p:tavLst>
+                                    </p:anim>
+                                    <p:anim calcmode="lin" valueType="num">
+                                      <p:cBhvr>
+                                        <p:cTn id="39" dur="664" tmFilter="0.0,0.0; 0.25,0.07; 0.50,0.2; 0.75,0.467; 1.0,1.0">
+                                          <p:stCondLst>
+                                            <p:cond delay="0"/>
+                                          </p:stCondLst>
+                                        </p:cTn>
+                                        <p:tgtEl>
+                                          <p:spTgt spid="16"/>
+                                        </p:tgtEl>
+                                        <p:attrNameLst>
+                                          <p:attrName>ppt_y</p:attrName>
+                                        </p:attrNameLst>
+                                      </p:cBhvr>
+                                      <p:tavLst>
+                                        <p:tav tm="0" fmla="#ppt_y-sin(pi*$)/3">
+                                          <p:val>
+                                            <p:fltVal val="0.5"/>
+                                          </p:val>
+                                        </p:tav>
+                                        <p:tav tm="100000">
+                                          <p:val>
+                                            <p:fltVal val="1"/>
+                                          </p:val>
+                                        </p:tav>
+                                      </p:tavLst>
+                                    </p:anim>
+                                    <p:anim calcmode="lin" valueType="num">
+                                      <p:cBhvr>
+                                        <p:cTn id="40" dur="664" tmFilter="0, 0; 0.125,0.2665; 0.25,0.4; 0.375,0.465; 0.5,0.5;  0.625,0.535; 0.75,0.6; 0.875,0.7335; 1,1">
+                                          <p:stCondLst>
+                                            <p:cond delay="664"/>
+                                          </p:stCondLst>
+                                        </p:cTn>
+                                        <p:tgtEl>
+                                          <p:spTgt spid="16"/>
+                                        </p:tgtEl>
+                                        <p:attrNameLst>
+                                          <p:attrName>ppt_y</p:attrName>
+                                        </p:attrNameLst>
+                                      </p:cBhvr>
+                                      <p:tavLst>
+                                        <p:tav tm="0" fmla="#ppt_y-sin(pi*$)/9">
+                                          <p:val>
+                                            <p:fltVal val="0"/>
+                                          </p:val>
+                                        </p:tav>
+                                        <p:tav tm="100000">
+                                          <p:val>
+                                            <p:fltVal val="1"/>
+                                          </p:val>
+                                        </p:tav>
+                                      </p:tavLst>
+                                    </p:anim>
+                                    <p:anim calcmode="lin" valueType="num">
+                                      <p:cBhvr>
+                                        <p:cTn id="41" dur="332" tmFilter="0, 0; 0.125,0.2665; 0.25,0.4; 0.375,0.465; 0.5,0.5;  0.625,0.535; 0.75,0.6; 0.875,0.7335; 1,1">
+                                          <p:stCondLst>
+                                            <p:cond delay="1324"/>
+                                          </p:stCondLst>
+                                        </p:cTn>
+                                        <p:tgtEl>
+                                          <p:spTgt spid="16"/>
+                                        </p:tgtEl>
+                                        <p:attrNameLst>
+                                          <p:attrName>ppt_y</p:attrName>
+                                        </p:attrNameLst>
+                                      </p:cBhvr>
+                                      <p:tavLst>
+                                        <p:tav tm="0" fmla="#ppt_y-sin(pi*$)/27">
+                                          <p:val>
+                                            <p:fltVal val="0"/>
+                                          </p:val>
+                                        </p:tav>
+                                        <p:tav tm="100000">
+                                          <p:val>
+                                            <p:fltVal val="1"/>
+                                          </p:val>
+                                        </p:tav>
+                                      </p:tavLst>
+                                    </p:anim>
+                                    <p:anim calcmode="lin" valueType="num">
+                                      <p:cBhvr>
+                                        <p:cTn id="42" dur="164" tmFilter="0, 0; 0.125,0.2665; 0.25,0.4; 0.375,0.465; 0.5,0.5;  0.625,0.535; 0.75,0.6; 0.875,0.7335; 1,1">
+                                          <p:stCondLst>
+                                            <p:cond delay="1656"/>
+                                          </p:stCondLst>
+                                        </p:cTn>
+                                        <p:tgtEl>
+                                          <p:spTgt spid="16"/>
+                                        </p:tgtEl>
+                                        <p:attrNameLst>
+                                          <p:attrName>ppt_y</p:attrName>
+                                        </p:attrNameLst>
+                                      </p:cBhvr>
+                                      <p:tavLst>
+                                        <p:tav tm="0" fmla="#ppt_y-sin(pi*$)/81">
+                                          <p:val>
+                                            <p:fltVal val="0"/>
+                                          </p:val>
+                                        </p:tav>
+                                        <p:tav tm="100000">
+                                          <p:val>
+                                            <p:fltVal val="1"/>
+                                          </p:val>
+                                        </p:tav>
+                                      </p:tavLst>
+                                    </p:anim>
+                                    <p:animScale>
+                                      <p:cBhvr>
+                                        <p:cTn id="43" dur="26">
+                                          <p:stCondLst>
+                                            <p:cond delay="650"/>
+                                          </p:stCondLst>
+                                        </p:cTn>
+                                        <p:tgtEl>
+                                          <p:spTgt spid="16"/>
+                                        </p:tgtEl>
+                                      </p:cBhvr>
+                                      <p:to x="100000" y="60000"/>
+                                    </p:animScale>
+                                    <p:animScale>
+                                      <p:cBhvr>
+                                        <p:cTn id="44" dur="166" decel="50000">
+                                          <p:stCondLst>
+                                            <p:cond delay="676"/>
+                                          </p:stCondLst>
+                                        </p:cTn>
+                                        <p:tgtEl>
+                                          <p:spTgt spid="16"/>
+                                        </p:tgtEl>
+                                      </p:cBhvr>
+                                      <p:to x="100000" y="100000"/>
+                                    </p:animScale>
+                                    <p:animScale>
+                                      <p:cBhvr>
+                                        <p:cTn id="45" dur="26">
+                                          <p:stCondLst>
+                                            <p:cond delay="1312"/>
+                                          </p:stCondLst>
+                                        </p:cTn>
+                                        <p:tgtEl>
+                                          <p:spTgt spid="16"/>
+                                        </p:tgtEl>
+                                      </p:cBhvr>
+                                      <p:to x="100000" y="80000"/>
+                                    </p:animScale>
+                                    <p:animScale>
+                                      <p:cBhvr>
+                                        <p:cTn id="46" dur="166" decel="50000">
+                                          <p:stCondLst>
+                                            <p:cond delay="1338"/>
+                                          </p:stCondLst>
+                                        </p:cTn>
+                                        <p:tgtEl>
+                                          <p:spTgt spid="16"/>
+                                        </p:tgtEl>
+                                      </p:cBhvr>
+                                      <p:to x="100000" y="100000"/>
+                                    </p:animScale>
+                                    <p:animScale>
+                                      <p:cBhvr>
+                                        <p:cTn id="47" dur="26">
+                                          <p:stCondLst>
+                                            <p:cond delay="1642"/>
+                                          </p:stCondLst>
+                                        </p:cTn>
+                                        <p:tgtEl>
+                                          <p:spTgt spid="16"/>
+                                        </p:tgtEl>
+                                      </p:cBhvr>
+                                      <p:to x="100000" y="90000"/>
+                                    </p:animScale>
+                                    <p:animScale>
+                                      <p:cBhvr>
+                                        <p:cTn id="48" dur="166" decel="50000">
+                                          <p:stCondLst>
+                                            <p:cond delay="1668"/>
+                                          </p:stCondLst>
+                                        </p:cTn>
+                                        <p:tgtEl>
+                                          <p:spTgt spid="16"/>
+                                        </p:tgtEl>
+                                      </p:cBhvr>
+                                      <p:to x="100000" y="100000"/>
+                                    </p:animScale>
+                                    <p:animScale>
+                                      <p:cBhvr>
+                                        <p:cTn id="49" dur="26">
+                                          <p:stCondLst>
+                                            <p:cond delay="1808"/>
+                                          </p:stCondLst>
+                                        </p:cTn>
+                                        <p:tgtEl>
+                                          <p:spTgt spid="16"/>
+                                        </p:tgtEl>
+                                      </p:cBhvr>
+                                      <p:to x="100000" y="95000"/>
+                                    </p:animScale>
+                                    <p:animScale>
+                                      <p:cBhvr>
+                                        <p:cTn id="50" dur="166" decel="50000">
+                                          <p:stCondLst>
+                                            <p:cond delay="1834"/>
+                                          </p:stCondLst>
+                                        </p:cTn>
+                                        <p:tgtEl>
+                                          <p:spTgt spid="16"/>
+                                        </p:tgtEl>
+                                      </p:cBhvr>
+                                      <p:to x="100000" y="100000"/>
+                                    </p:animScale>
+                                  </p:childTnLst>
+                                </p:cTn>
+                              </p:par>
+                            </p:childTnLst>
+                          </p:cTn>
+                        </p:par>
+                      </p:childTnLst>
+                    </p:cTn>
+                  </p:par>
+                </p:childTnLst>
+              </p:cTn>
+              <p:prevCondLst>
+                <p:cond evt="onPrev" delay="0">
+                  <p:tgtEl>
+                    <p:sldTgt/>
+                  </p:tgtEl>
+                </p:cond>
+              </p:prevCondLst>
+              <p:nextCondLst>
+                <p:cond evt="onNext" delay="0">
+                  <p:tgtEl>
+                    <p:sldTgt/>
+                  </p:tgtEl>
+                </p:cond>
+              </p:nextCondLst>
+            </p:seq>
+          </p:childTnLst>
+        </p:cTn>
+      </p:par>
+    </p:tnLst>
+    <p:bldLst>
+      <p:bldP spid="3" grpId="0"/>
+      <p:bldP spid="8" grpId="0"/>
+      <p:bldP spid="13" grpId="0"/>
+      <p:bldP spid="14" grpId="0"/>
+      <p:bldP spid="15" grpId="0"/>
+      <p:bldP spid="16" grpId="0"/>
+    </p:bldLst>
+  </p:timing>
+</p:sld>
+</file>
+
+<file path=ppt/slides/slide5.xml><?xml version="1.0" encoding="utf-8"?>
+<p:sld xmlns:a="http://schemas.openxmlformats.org/drawingml/2006/main" xmlns:r="http://schemas.openxmlformats.org/officeDocument/2006/relationships" xmlns:p="http://schemas.openxmlformats.org/presentationml/2006/main">
+  <p:cSld>
+    <p:spTree>
+      <p:nvGrpSpPr>
+        <p:cNvPr id="1" name=""/>
+        <p:cNvGrpSpPr/>
+        <p:nvPr/>
+      </p:nvGrpSpPr>
+      <p:grpSpPr>
+        <a:xfrm>
+          <a:off x="0" y="0"/>
+          <a:ext cx="0" cy="0"/>
+          <a:chOff x="0" y="0"/>
+          <a:chExt cx="0" cy="0"/>
+        </a:xfrm>
+      </p:grpSpPr>
+      <p:sp>
+        <p:nvSpPr>
+          <p:cNvPr id="3" name="TextBox 2"/>
+          <p:cNvSpPr txBox="1"/>
+          <p:nvPr/>
+        </p:nvSpPr>
+        <p:spPr>
+          <a:xfrm>
+            <a:off x="719667" y="628653"/>
+            <a:ext cx="11091333" cy="584775"/>
+          </a:xfrm>
+          <a:prstGeom prst="rect">
+            <a:avLst/>
+          </a:prstGeom>
+          <a:noFill/>
+        </p:spPr>
+        <p:txBody>
+          <a:bodyPr wrap="square" rtlCol="0">
+            <a:spAutoFit/>
+          </a:bodyPr>
+          <a:lstStyle/>
+          <a:p>
+            <a:pPr algn="ctr"/>
+            <a:r>
+              <a:rPr lang="en-US" sz="3200" dirty="0">
+                <a:latin typeface="Goudy Stout" panose="0202090407030B020401" pitchFamily="18" charset="0"/>
+              </a:rPr>
+              <a:t>First things first (01)</a:t>
+            </a:r>
+          </a:p>
+        </p:txBody>
+      </p:sp>
+      <p:sp>
+        <p:nvSpPr>
+          <p:cNvPr id="4" name="TextBox 3"/>
+          <p:cNvSpPr txBox="1"/>
+          <p:nvPr/>
+        </p:nvSpPr>
+        <p:spPr>
+          <a:xfrm>
+            <a:off x="1452024" y="1390781"/>
+            <a:ext cx="9381067" cy="338554"/>
+          </a:xfrm>
+          <a:prstGeom prst="rect">
+            <a:avLst/>
+          </a:prstGeom>
+          <a:noFill/>
+        </p:spPr>
+        <p:txBody>
+          <a:bodyPr wrap="square" rtlCol="0">
+            <a:spAutoFit/>
+          </a:bodyPr>
+          <a:lstStyle/>
+          <a:p>
+            <a:pPr algn="ctr"/>
+            <a:r>
+              <a:rPr lang="en-US" sz="1600" dirty="0">
+                <a:latin typeface="Goudy Stout" panose="0202090407030B020401" pitchFamily="18" charset="0"/>
+              </a:rPr>
+              <a:t>√ Setting up development environment  </a:t>
+            </a:r>
+          </a:p>
+        </p:txBody>
+      </p:sp>
+      <p:sp>
+        <p:nvSpPr>
+          <p:cNvPr id="5" name="TextBox 4"/>
+          <p:cNvSpPr txBox="1"/>
+          <p:nvPr/>
+        </p:nvSpPr>
+        <p:spPr>
+          <a:xfrm>
+            <a:off x="787382" y="1906688"/>
+            <a:ext cx="10710350" cy="2308324"/>
+          </a:xfrm>
+          <a:prstGeom prst="rect">
+            <a:avLst/>
+          </a:prstGeom>
+          <a:noFill/>
+        </p:spPr>
+        <p:txBody>
+          <a:bodyPr wrap="square" rtlCol="0">
+            <a:spAutoFit/>
+          </a:bodyPr>
+          <a:lstStyle/>
+          <a:p>
+            <a:pPr marL="285750" indent="-285750" algn="ctr">
+              <a:buFontTx/>
+              <a:buChar char="-"/>
+            </a:pPr>
+            <a:r>
+              <a:rPr lang="en-US" sz="1600" dirty="0">
+                <a:latin typeface="Goudy Stout" panose="0202090407030B020401" pitchFamily="18" charset="0"/>
+              </a:rPr>
+              <a:t>Visual Studio</a:t>
+            </a:r>
+          </a:p>
+          <a:p>
+            <a:pPr marL="285750" indent="-285750" algn="ctr">
+              <a:buFontTx/>
+              <a:buChar char="-"/>
+            </a:pPr>
+            <a:endParaRPr lang="en-US" sz="1600" dirty="0">
+              <a:latin typeface="Goudy Stout" panose="0202090407030B020401" pitchFamily="18" charset="0"/>
+            </a:endParaRPr>
+          </a:p>
+          <a:p>
+            <a:pPr marL="285750" indent="-285750" algn="ctr">
+              <a:buFontTx/>
+              <a:buChar char="-"/>
+            </a:pPr>
+            <a:r>
+              <a:rPr lang="en-US" sz="1600" dirty="0">
+                <a:latin typeface="Goudy Stout" panose="0202090407030B020401" pitchFamily="18" charset="0"/>
+              </a:rPr>
+              <a:t>GitHub repository</a:t>
+            </a:r>
+          </a:p>
+          <a:p>
+            <a:pPr marL="285750" indent="-285750" algn="ctr">
+              <a:buFontTx/>
+              <a:buChar char="-"/>
+            </a:pPr>
+            <a:endParaRPr lang="en-US" sz="1600" dirty="0">
+              <a:latin typeface="Goudy Stout" panose="0202090407030B020401" pitchFamily="18" charset="0"/>
+            </a:endParaRPr>
+          </a:p>
+          <a:p>
+            <a:pPr marL="285750" indent="-285750" algn="ctr">
+              <a:buFontTx/>
+              <a:buChar char="-"/>
+            </a:pPr>
+            <a:r>
+              <a:rPr lang="en-US" sz="1600" dirty="0" err="1">
+                <a:latin typeface="Goudy Stout" panose="0202090407030B020401" pitchFamily="18" charset="0"/>
+              </a:rPr>
+              <a:t>AppHarbor</a:t>
+            </a:r>
+            <a:r>
+              <a:rPr lang="en-US" sz="1600" dirty="0">
+                <a:latin typeface="Goudy Stout" panose="0202090407030B020401" pitchFamily="18" charset="0"/>
+              </a:rPr>
+              <a:t> project</a:t>
+            </a:r>
+          </a:p>
+          <a:p>
+            <a:pPr marL="285750" indent="-285750" algn="ctr">
+              <a:buFontTx/>
+              <a:buChar char="-"/>
+            </a:pPr>
+            <a:endParaRPr lang="en-US" sz="1600" dirty="0">
+              <a:latin typeface="Goudy Stout" panose="0202090407030B020401" pitchFamily="18" charset="0"/>
+            </a:endParaRPr>
+          </a:p>
+          <a:p>
+            <a:pPr marL="285750" indent="-285750" algn="ctr">
+              <a:buFontTx/>
+              <a:buChar char="-"/>
+            </a:pPr>
+            <a:r>
+              <a:rPr lang="en-US" sz="1600" dirty="0">
+                <a:latin typeface="Goudy Stout" panose="0202090407030B020401" pitchFamily="18" charset="0"/>
+              </a:rPr>
+              <a:t>External SQL Server provider</a:t>
+            </a:r>
+          </a:p>
+          <a:p>
+            <a:pPr marL="285750" indent="-285750">
+              <a:buFontTx/>
+              <a:buChar char="-"/>
+            </a:pPr>
+            <a:endParaRPr lang="en-US" sz="1600" dirty="0">
+              <a:latin typeface="Goudy Stout" panose="0202090407030B020401" pitchFamily="18" charset="0"/>
+            </a:endParaRPr>
+          </a:p>
+          <a:p>
+            <a:pPr marL="285750" indent="-285750">
+              <a:buFontTx/>
+              <a:buChar char="-"/>
+            </a:pPr>
+            <a:endParaRPr lang="en-US" sz="1600" dirty="0">
+              <a:latin typeface="Goudy Stout" panose="0202090407030B020401" pitchFamily="18" charset="0"/>
+            </a:endParaRPr>
+          </a:p>
+        </p:txBody>
+      </p:sp>
+      <p:pic>
+        <p:nvPicPr>
+          <p:cNvPr id="11" name="Picture 10"/>
+          <p:cNvPicPr>
+            <a:picLocks noChangeAspect="1"/>
+          </p:cNvPicPr>
+          <p:nvPr/>
+        </p:nvPicPr>
+        <p:blipFill>
+          <a:blip r:embed="rId2">
+            <a:extLst>
+              <a:ext uri="{28A0092B-C50C-407E-A947-70E740481C1C}">
+                <a14:useLocalDpi xmlns:a14="http://schemas.microsoft.com/office/drawing/2010/main" val="0"/>
+              </a:ext>
+            </a:extLst>
+          </a:blip>
+          <a:stretch>
+            <a:fillRect/>
+          </a:stretch>
+        </p:blipFill>
+        <p:spPr>
+          <a:xfrm>
+            <a:off x="3455252" y="4013777"/>
+            <a:ext cx="5374609" cy="2166889"/>
+          </a:xfrm>
+          <a:prstGeom prst="rect">
+            <a:avLst/>
+          </a:prstGeom>
+        </p:spPr>
+      </p:pic>
+    </p:spTree>
+    <p:extLst>
+      <p:ext uri="{BB962C8B-B14F-4D97-AF65-F5344CB8AC3E}">
+        <p14:creationId xmlns:p14="http://schemas.microsoft.com/office/powerpoint/2010/main" val="1990803833"/>
+      </p:ext>
+    </p:extLst>
+  </p:cSld>
+  <p:clrMapOvr>
+    <a:masterClrMapping/>
+  </p:clrMapOvr>
+  <mc:AlternateContent xmlns:mc="http://schemas.openxmlformats.org/markup-compatibility/2006">
+    <mc:Choice xmlns:p14="http://schemas.microsoft.com/office/powerpoint/2010/main" Requires="p14">
+      <p:transition spd="slow" p14:dur="1500">
+        <p:split orient="vert"/>
+      </p:transition>
+    </mc:Choice>
+    <mc:Fallback>
+      <p:transition spd="slow">
+        <p:split orient="vert"/>
+      </p:transition>
+    </mc:Fallback>
+  </mc:AlternateContent>
+  <p:timing>
+    <p:tnLst>
+      <p:par>
+        <p:cTn id="1" dur="indefinite" restart="never" nodeType="tmRoot">
+          <p:childTnLst>
+            <p:seq concurrent="1" nextAc="seek">
+              <p:cTn id="2" dur="indefinite" nodeType="mainSeq">
+                <p:childTnLst>
+                  <p:par>
+                    <p:cTn id="3" fill="hold">
+                      <p:stCondLst>
+                        <p:cond delay="indefinite"/>
+                      </p:stCondLst>
+                      <p:childTnLst>
+                        <p:par>
+                          <p:cTn id="4" fill="hold">
+                            <p:stCondLst>
+                              <p:cond delay="0"/>
+                            </p:stCondLst>
+                            <p:childTnLst>
+                              <p:par>
+                                <p:cTn id="5" presetID="14" presetClass="entr" presetSubtype="10" fill="hold" grpId="0" nodeType="clickEffect">
+                                  <p:stCondLst>
+                                    <p:cond delay="0"/>
+                                  </p:stCondLst>
+                                  <p:childTnLst>
+                                    <p:set>
+                                      <p:cBhvr>
+                                        <p:cTn id="6" dur="1" fill="hold">
+                                          <p:stCondLst>
+                                            <p:cond delay="0"/>
+                                          </p:stCondLst>
+                                        </p:cTn>
+                                        <p:tgtEl>
+                                          <p:spTgt spid="4"/>
+                                        </p:tgtEl>
+                                        <p:attrNameLst>
+                                          <p:attrName>style.visibility</p:attrName>
+                                        </p:attrNameLst>
+                                      </p:cBhvr>
+                                      <p:to>
+                                        <p:strVal val="visible"/>
+                                      </p:to>
+                                    </p:set>
+                                    <p:animEffect transition="in" filter="randombar(horizontal)">
+                                      <p:cBhvr>
+                                        <p:cTn id="7" dur="500"/>
+                                        <p:tgtEl>
+                                          <p:spTgt spid="4"/>
+                                        </p:tgtEl>
+                                      </p:cBhvr>
+                                    </p:animEffect>
+                                  </p:childTnLst>
+                                </p:cTn>
+                              </p:par>
+                            </p:childTnLst>
+                          </p:cTn>
+                        </p:par>
+                      </p:childTnLst>
+                    </p:cTn>
+                  </p:par>
+                  <p:par>
+                    <p:cTn id="8" fill="hold">
+                      <p:stCondLst>
+                        <p:cond delay="indefinite"/>
+                      </p:stCondLst>
+                      <p:childTnLst>
+                        <p:par>
+                          <p:cTn id="9" fill="hold">
+                            <p:stCondLst>
+                              <p:cond delay="0"/>
+                            </p:stCondLst>
+                            <p:childTnLst>
+                              <p:par>
+                                <p:cTn id="10" presetID="42" presetClass="entr" presetSubtype="0" fill="hold" nodeType="clickEffect">
+                                  <p:stCondLst>
+                                    <p:cond delay="0"/>
+                                  </p:stCondLst>
+                                  <p:childTnLst>
+                                    <p:set>
+                                      <p:cBhvr>
+                                        <p:cTn id="11" dur="1" fill="hold">
+                                          <p:stCondLst>
+                                            <p:cond delay="0"/>
+                                          </p:stCondLst>
+                                        </p:cTn>
+                                        <p:tgtEl>
+                                          <p:spTgt spid="5">
+                                            <p:txEl>
+                                              <p:pRg st="0" end="0"/>
+                                            </p:txEl>
+                                          </p:spTgt>
+                                        </p:tgtEl>
+                                        <p:attrNameLst>
+                                          <p:attrName>style.visibility</p:attrName>
+                                        </p:attrNameLst>
+                                      </p:cBhvr>
+                                      <p:to>
+                                        <p:strVal val="visible"/>
+                                      </p:to>
+                                    </p:set>
+                                    <p:animEffect transition="in" filter="fade">
+                                      <p:cBhvr>
+                                        <p:cTn id="12" dur="1000"/>
+                                        <p:tgtEl>
+                                          <p:spTgt spid="5">
+                                            <p:txEl>
+                                              <p:pRg st="0" end="0"/>
+                                            </p:txEl>
+                                          </p:spTgt>
+                                        </p:tgtEl>
+                                      </p:cBhvr>
+                                    </p:animEffect>
+                                    <p:anim calcmode="lin" valueType="num">
+                                      <p:cBhvr>
+                                        <p:cTn id="13" dur="1000" fill="hold"/>
+                                        <p:tgtEl>
+                                          <p:spTgt spid="5">
+                                            <p:txEl>
+                                              <p:pRg st="0" end="0"/>
+                                            </p:txEl>
+                                          </p:spTgt>
+                                        </p:tgtEl>
+                                        <p:attrNameLst>
+                                          <p:attrName>ppt_x</p:attrName>
+                                        </p:attrNameLst>
+                                      </p:cBhvr>
+                                      <p:tavLst>
+                                        <p:tav tm="0">
+                                          <p:val>
+                                            <p:strVal val="#ppt_x"/>
+                                          </p:val>
+                                        </p:tav>
+                                        <p:tav tm="100000">
+                                          <p:val>
+                                            <p:strVal val="#ppt_x"/>
+                                          </p:val>
+                                        </p:tav>
+                                      </p:tavLst>
+                                    </p:anim>
+                                    <p:anim calcmode="lin" valueType="num">
+                                      <p:cBhvr>
+                                        <p:cTn id="14" dur="1000" fill="hold"/>
+                                        <p:tgtEl>
+                                          <p:spTgt spid="5">
+                                            <p:txEl>
+                                              <p:pRg st="0" end="0"/>
+                                            </p:txEl>
+                                          </p:spTgt>
+                                        </p:tgtEl>
+                                        <p:attrNameLst>
+                                          <p:attrName>ppt_y</p:attrName>
+                                        </p:attrNameLst>
+                                      </p:cBhvr>
+                                      <p:tavLst>
+                                        <p:tav tm="0">
+                                          <p:val>
+                                            <p:strVal val="#ppt_y+.1"/>
+                                          </p:val>
+                                        </p:tav>
+                                        <p:tav tm="100000">
+                                          <p:val>
+                                            <p:strVal val="#ppt_y"/>
+                                          </p:val>
+                                        </p:tav>
+                                      </p:tavLst>
+                                    </p:anim>
+                                  </p:childTnLst>
+                                </p:cTn>
+                              </p:par>
+                            </p:childTnLst>
+                          </p:cTn>
+                        </p:par>
+                      </p:childTnLst>
+                    </p:cTn>
+                  </p:par>
+                  <p:par>
+                    <p:cTn id="15" fill="hold">
+                      <p:stCondLst>
+                        <p:cond delay="indefinite"/>
+                      </p:stCondLst>
+                      <p:childTnLst>
+                        <p:par>
+                          <p:cTn id="16" fill="hold">
+                            <p:stCondLst>
+                              <p:cond delay="0"/>
+                            </p:stCondLst>
+                            <p:childTnLst>
+                              <p:par>
+                                <p:cTn id="17" presetID="42" presetClass="entr" presetSubtype="0" fill="hold" nodeType="clickEffect">
+                                  <p:stCondLst>
+                                    <p:cond delay="0"/>
+                                  </p:stCondLst>
+                                  <p:childTnLst>
+                                    <p:set>
+                                      <p:cBhvr>
+                                        <p:cTn id="18" dur="1" fill="hold">
+                                          <p:stCondLst>
+                                            <p:cond delay="0"/>
+                                          </p:stCondLst>
+                                        </p:cTn>
+                                        <p:tgtEl>
+                                          <p:spTgt spid="5">
+                                            <p:txEl>
+                                              <p:pRg st="2" end="2"/>
+                                            </p:txEl>
+                                          </p:spTgt>
+                                        </p:tgtEl>
+                                        <p:attrNameLst>
+                                          <p:attrName>style.visibility</p:attrName>
+                                        </p:attrNameLst>
+                                      </p:cBhvr>
+                                      <p:to>
+                                        <p:strVal val="visible"/>
+                                      </p:to>
+                                    </p:set>
+                                    <p:animEffect transition="in" filter="fade">
+                                      <p:cBhvr>
+                                        <p:cTn id="19" dur="1000"/>
+                                        <p:tgtEl>
+                                          <p:spTgt spid="5">
+                                            <p:txEl>
+                                              <p:pRg st="2" end="2"/>
+                                            </p:txEl>
+                                          </p:spTgt>
+                                        </p:tgtEl>
+                                      </p:cBhvr>
+                                    </p:animEffect>
+                                    <p:anim calcmode="lin" valueType="num">
+                                      <p:cBhvr>
+                                        <p:cTn id="20" dur="1000" fill="hold"/>
+                                        <p:tgtEl>
+                                          <p:spTgt spid="5">
+                                            <p:txEl>
+                                              <p:pRg st="2" end="2"/>
+                                            </p:txEl>
+                                          </p:spTgt>
+                                        </p:tgtEl>
+                                        <p:attrNameLst>
+                                          <p:attrName>ppt_x</p:attrName>
+                                        </p:attrNameLst>
+                                      </p:cBhvr>
+                                      <p:tavLst>
+                                        <p:tav tm="0">
+                                          <p:val>
+                                            <p:strVal val="#ppt_x"/>
+                                          </p:val>
+                                        </p:tav>
+                                        <p:tav tm="100000">
+                                          <p:val>
+                                            <p:strVal val="#ppt_x"/>
+                                          </p:val>
+                                        </p:tav>
+                                      </p:tavLst>
+                                    </p:anim>
+                                    <p:anim calcmode="lin" valueType="num">
+                                      <p:cBhvr>
+                                        <p:cTn id="21" dur="1000" fill="hold"/>
+                                        <p:tgtEl>
+                                          <p:spTgt spid="5">
+                                            <p:txEl>
+                                              <p:pRg st="2" end="2"/>
+                                            </p:txEl>
+                                          </p:spTgt>
+                                        </p:tgtEl>
+                                        <p:attrNameLst>
+                                          <p:attrName>ppt_y</p:attrName>
+                                        </p:attrNameLst>
+                                      </p:cBhvr>
+                                      <p:tavLst>
+                                        <p:tav tm="0">
+                                          <p:val>
+                                            <p:strVal val="#ppt_y+.1"/>
+                                          </p:val>
+                                        </p:tav>
+                                        <p:tav tm="100000">
+                                          <p:val>
+                                            <p:strVal val="#ppt_y"/>
+                                          </p:val>
+                                        </p:tav>
+                                      </p:tavLst>
+                                    </p:anim>
+                                  </p:childTnLst>
+                                </p:cTn>
+                              </p:par>
+                            </p:childTnLst>
+                          </p:cTn>
+                        </p:par>
+                      </p:childTnLst>
+                    </p:cTn>
+                  </p:par>
+                  <p:par>
+                    <p:cTn id="22" fill="hold">
+                      <p:stCondLst>
+                        <p:cond delay="indefinite"/>
+                      </p:stCondLst>
+                      <p:childTnLst>
+                        <p:par>
+                          <p:cTn id="23" fill="hold">
+                            <p:stCondLst>
+                              <p:cond delay="0"/>
+                            </p:stCondLst>
+                            <p:childTnLst>
+                              <p:par>
+                                <p:cTn id="24" presetID="42" presetClass="entr" presetSubtype="0" fill="hold" nodeType="clickEffect">
+                                  <p:stCondLst>
+                                    <p:cond delay="0"/>
+                                  </p:stCondLst>
+                                  <p:childTnLst>
+                                    <p:set>
+                                      <p:cBhvr>
+                                        <p:cTn id="25" dur="1" fill="hold">
+                                          <p:stCondLst>
+                                            <p:cond delay="0"/>
+                                          </p:stCondLst>
+                                        </p:cTn>
+                                        <p:tgtEl>
+                                          <p:spTgt spid="5">
+                                            <p:txEl>
+                                              <p:pRg st="4" end="4"/>
+                                            </p:txEl>
+                                          </p:spTgt>
+                                        </p:tgtEl>
+                                        <p:attrNameLst>
+                                          <p:attrName>style.visibility</p:attrName>
+                                        </p:attrNameLst>
+                                      </p:cBhvr>
+                                      <p:to>
+                                        <p:strVal val="visible"/>
+                                      </p:to>
+                                    </p:set>
+                                    <p:animEffect transition="in" filter="fade">
+                                      <p:cBhvr>
+                                        <p:cTn id="26" dur="1000"/>
+                                        <p:tgtEl>
+                                          <p:spTgt spid="5">
+                                            <p:txEl>
+                                              <p:pRg st="4" end="4"/>
+                                            </p:txEl>
+                                          </p:spTgt>
+                                        </p:tgtEl>
+                                      </p:cBhvr>
+                                    </p:animEffect>
+                                    <p:anim calcmode="lin" valueType="num">
+                                      <p:cBhvr>
+                                        <p:cTn id="27" dur="1000" fill="hold"/>
+                                        <p:tgtEl>
+                                          <p:spTgt spid="5">
+                                            <p:txEl>
+                                              <p:pRg st="4" end="4"/>
+                                            </p:txEl>
+                                          </p:spTgt>
+                                        </p:tgtEl>
+                                        <p:attrNameLst>
+                                          <p:attrName>ppt_x</p:attrName>
+                                        </p:attrNameLst>
+                                      </p:cBhvr>
+                                      <p:tavLst>
+                                        <p:tav tm="0">
+                                          <p:val>
+                                            <p:strVal val="#ppt_x"/>
+                                          </p:val>
+                                        </p:tav>
+                                        <p:tav tm="100000">
+                                          <p:val>
+                                            <p:strVal val="#ppt_x"/>
+                                          </p:val>
+                                        </p:tav>
+                                      </p:tavLst>
+                                    </p:anim>
+                                    <p:anim calcmode="lin" valueType="num">
+                                      <p:cBhvr>
+                                        <p:cTn id="28" dur="1000" fill="hold"/>
+                                        <p:tgtEl>
+                                          <p:spTgt spid="5">
+                                            <p:txEl>
+                                              <p:pRg st="4" end="4"/>
+                                            </p:txEl>
+                                          </p:spTgt>
+                                        </p:tgtEl>
+                                        <p:attrNameLst>
+                                          <p:attrName>ppt_y</p:attrName>
+                                        </p:attrNameLst>
+                                      </p:cBhvr>
+                                      <p:tavLst>
+                                        <p:tav tm="0">
+                                          <p:val>
+                                            <p:strVal val="#ppt_y+.1"/>
+                                          </p:val>
+                                        </p:tav>
+                                        <p:tav tm="100000">
+                                          <p:val>
+                                            <p:strVal val="#ppt_y"/>
+                                          </p:val>
+                                        </p:tav>
+                                      </p:tavLst>
+                                    </p:anim>
+                                  </p:childTnLst>
+                                </p:cTn>
+                              </p:par>
+                            </p:childTnLst>
+                          </p:cTn>
+                        </p:par>
+                      </p:childTnLst>
+                    </p:cTn>
+                  </p:par>
+                  <p:par>
+                    <p:cTn id="29" fill="hold">
+                      <p:stCondLst>
+                        <p:cond delay="indefinite"/>
+                      </p:stCondLst>
+                      <p:childTnLst>
+                        <p:par>
+                          <p:cTn id="30" fill="hold">
+                            <p:stCondLst>
+                              <p:cond delay="0"/>
+                            </p:stCondLst>
+                            <p:childTnLst>
+                              <p:par>
+                                <p:cTn id="31" presetID="42" presetClass="entr" presetSubtype="0" fill="hold" nodeType="clickEffect">
+                                  <p:stCondLst>
+                                    <p:cond delay="0"/>
+                                  </p:stCondLst>
+                                  <p:childTnLst>
+                                    <p:set>
+                                      <p:cBhvr>
+                                        <p:cTn id="32" dur="1" fill="hold">
+                                          <p:stCondLst>
+                                            <p:cond delay="0"/>
+                                          </p:stCondLst>
+                                        </p:cTn>
+                                        <p:tgtEl>
+                                          <p:spTgt spid="5">
+                                            <p:txEl>
+                                              <p:pRg st="6" end="6"/>
+                                            </p:txEl>
+                                          </p:spTgt>
+                                        </p:tgtEl>
+                                        <p:attrNameLst>
+                                          <p:attrName>style.visibility</p:attrName>
+                                        </p:attrNameLst>
+                                      </p:cBhvr>
+                                      <p:to>
+                                        <p:strVal val="visible"/>
+                                      </p:to>
+                                    </p:set>
+                                    <p:animEffect transition="in" filter="fade">
+                                      <p:cBhvr>
+                                        <p:cTn id="33" dur="1000"/>
+                                        <p:tgtEl>
+                                          <p:spTgt spid="5">
+                                            <p:txEl>
+                                              <p:pRg st="6" end="6"/>
+                                            </p:txEl>
+                                          </p:spTgt>
+                                        </p:tgtEl>
+                                      </p:cBhvr>
+                                    </p:animEffect>
+                                    <p:anim calcmode="lin" valueType="num">
+                                      <p:cBhvr>
+                                        <p:cTn id="34" dur="1000" fill="hold"/>
+                                        <p:tgtEl>
+                                          <p:spTgt spid="5">
+                                            <p:txEl>
+                                              <p:pRg st="6" end="6"/>
+                                            </p:txEl>
+                                          </p:spTgt>
+                                        </p:tgtEl>
+                                        <p:attrNameLst>
+                                          <p:attrName>ppt_x</p:attrName>
+                                        </p:attrNameLst>
+                                      </p:cBhvr>
+                                      <p:tavLst>
+                                        <p:tav tm="0">
+                                          <p:val>
+                                            <p:strVal val="#ppt_x"/>
+                                          </p:val>
+                                        </p:tav>
+                                        <p:tav tm="100000">
+                                          <p:val>
+                                            <p:strVal val="#ppt_x"/>
+                                          </p:val>
+                                        </p:tav>
+                                      </p:tavLst>
+                                    </p:anim>
+                                    <p:anim calcmode="lin" valueType="num">
+                                      <p:cBhvr>
+                                        <p:cTn id="35" dur="1000" fill="hold"/>
+                                        <p:tgtEl>
+                                          <p:spTgt spid="5">
+                                            <p:txEl>
+                                              <p:pRg st="6" end="6"/>
+                                            </p:txEl>
+                                          </p:spTgt>
+                                        </p:tgtEl>
+                                        <p:attrNameLst>
+                                          <p:attrName>ppt_y</p:attrName>
+                                        </p:attrNameLst>
+                                      </p:cBhvr>
+                                      <p:tavLst>
+                                        <p:tav tm="0">
+                                          <p:val>
+                                            <p:strVal val="#ppt_y+.1"/>
+                                          </p:val>
+                                        </p:tav>
+                                        <p:tav tm="100000">
+                                          <p:val>
+                                            <p:strVal val="#ppt_y"/>
+                                          </p:val>
+                                        </p:tav>
+                                      </p:tavLst>
+                                    </p:anim>
+                                  </p:childTnLst>
+                                </p:cTn>
+                              </p:par>
+                            </p:childTnLst>
+                          </p:cTn>
+                        </p:par>
+                      </p:childTnLst>
+                    </p:cTn>
+                  </p:par>
+                  <p:par>
+                    <p:cTn id="36" fill="hold">
+                      <p:stCondLst>
+                        <p:cond delay="indefinite"/>
+                      </p:stCondLst>
+                      <p:childTnLst>
+                        <p:par>
+                          <p:cTn id="37" fill="hold">
+                            <p:stCondLst>
+                              <p:cond delay="0"/>
+                            </p:stCondLst>
+                            <p:childTnLst>
+                              <p:par>
+                                <p:cTn id="38" presetID="1" presetClass="entr" presetSubtype="0" fill="hold" nodeType="clickEffect">
+                                  <p:stCondLst>
+                                    <p:cond delay="0"/>
+                                  </p:stCondLst>
+                                  <p:childTnLst>
+                                    <p:set>
+                                      <p:cBhvr>
+                                        <p:cTn id="39" dur="1" fill="hold">
+                                          <p:stCondLst>
+                                            <p:cond delay="0"/>
+                                          </p:stCondLst>
+                                        </p:cTn>
+                                        <p:tgtEl>
+                                          <p:spTgt spid="11"/>
+                                        </p:tgtEl>
+                                        <p:attrNameLst>
+                                          <p:attrName>style.visibility</p:attrName>
+                                        </p:attrNameLst>
+                                      </p:cBhvr>
+                                      <p:to>
+                                        <p:strVal val="visible"/>
+                                      </p:to>
+                                    </p:set>
+                                  </p:childTnLst>
+                                </p:cTn>
+                              </p:par>
+                            </p:childTnLst>
+                          </p:cTn>
+                        </p:par>
+                      </p:childTnLst>
+                    </p:cTn>
+                  </p:par>
+                </p:childTnLst>
+              </p:cTn>
+              <p:prevCondLst>
+                <p:cond evt="onPrev" delay="0">
+                  <p:tgtEl>
+                    <p:sldTgt/>
+                  </p:tgtEl>
+                </p:cond>
+              </p:prevCondLst>
+              <p:nextCondLst>
+                <p:cond evt="onNext" delay="0">
+                  <p:tgtEl>
+                    <p:sldTgt/>
+                  </p:tgtEl>
+                </p:cond>
+              </p:nextCondLst>
+            </p:seq>
+          </p:childTnLst>
+        </p:cTn>
+      </p:par>
+    </p:tnLst>
+    <p:bldLst>
+      <p:bldP spid="4" grpId="0"/>
+    </p:bldLst>
+  </p:timing>
 </p:sld>
 </file>
 
